--- a/figures/figures.pptx
+++ b/figures/figures.pptx
@@ -243,7 +243,7 @@
           <a:p>
             <a:fld id="{476D9124-AB36-4B7F-A4E2-3FFA9B99052F}" type="datetimeFigureOut">
               <a:rPr lang="en-US" smtClean="0"/>
-              <a:t>4/11/2025</a:t>
+              <a:t>4/29/2025</a:t>
             </a:fld>
             <a:endParaRPr lang="en-US"/>
           </a:p>
@@ -413,7 +413,7 @@
           <a:p>
             <a:fld id="{476D9124-AB36-4B7F-A4E2-3FFA9B99052F}" type="datetimeFigureOut">
               <a:rPr lang="en-US" smtClean="0"/>
-              <a:t>4/11/2025</a:t>
+              <a:t>4/29/2025</a:t>
             </a:fld>
             <a:endParaRPr lang="en-US"/>
           </a:p>
@@ -593,7 +593,7 @@
           <a:p>
             <a:fld id="{476D9124-AB36-4B7F-A4E2-3FFA9B99052F}" type="datetimeFigureOut">
               <a:rPr lang="en-US" smtClean="0"/>
-              <a:t>4/11/2025</a:t>
+              <a:t>4/29/2025</a:t>
             </a:fld>
             <a:endParaRPr lang="en-US"/>
           </a:p>
@@ -763,7 +763,7 @@
           <a:p>
             <a:fld id="{476D9124-AB36-4B7F-A4E2-3FFA9B99052F}" type="datetimeFigureOut">
               <a:rPr lang="en-US" smtClean="0"/>
-              <a:t>4/11/2025</a:t>
+              <a:t>4/29/2025</a:t>
             </a:fld>
             <a:endParaRPr lang="en-US"/>
           </a:p>
@@ -1009,7 +1009,7 @@
           <a:p>
             <a:fld id="{476D9124-AB36-4B7F-A4E2-3FFA9B99052F}" type="datetimeFigureOut">
               <a:rPr lang="en-US" smtClean="0"/>
-              <a:t>4/11/2025</a:t>
+              <a:t>4/29/2025</a:t>
             </a:fld>
             <a:endParaRPr lang="en-US"/>
           </a:p>
@@ -1241,7 +1241,7 @@
           <a:p>
             <a:fld id="{476D9124-AB36-4B7F-A4E2-3FFA9B99052F}" type="datetimeFigureOut">
               <a:rPr lang="en-US" smtClean="0"/>
-              <a:t>4/11/2025</a:t>
+              <a:t>4/29/2025</a:t>
             </a:fld>
             <a:endParaRPr lang="en-US"/>
           </a:p>
@@ -1608,7 +1608,7 @@
           <a:p>
             <a:fld id="{476D9124-AB36-4B7F-A4E2-3FFA9B99052F}" type="datetimeFigureOut">
               <a:rPr lang="en-US" smtClean="0"/>
-              <a:t>4/11/2025</a:t>
+              <a:t>4/29/2025</a:t>
             </a:fld>
             <a:endParaRPr lang="en-US"/>
           </a:p>
@@ -1726,7 +1726,7 @@
           <a:p>
             <a:fld id="{476D9124-AB36-4B7F-A4E2-3FFA9B99052F}" type="datetimeFigureOut">
               <a:rPr lang="en-US" smtClean="0"/>
-              <a:t>4/11/2025</a:t>
+              <a:t>4/29/2025</a:t>
             </a:fld>
             <a:endParaRPr lang="en-US"/>
           </a:p>
@@ -1821,7 +1821,7 @@
           <a:p>
             <a:fld id="{476D9124-AB36-4B7F-A4E2-3FFA9B99052F}" type="datetimeFigureOut">
               <a:rPr lang="en-US" smtClean="0"/>
-              <a:t>4/11/2025</a:t>
+              <a:t>4/29/2025</a:t>
             </a:fld>
             <a:endParaRPr lang="en-US"/>
           </a:p>
@@ -2098,7 +2098,7 @@
           <a:p>
             <a:fld id="{476D9124-AB36-4B7F-A4E2-3FFA9B99052F}" type="datetimeFigureOut">
               <a:rPr lang="en-US" smtClean="0"/>
-              <a:t>4/11/2025</a:t>
+              <a:t>4/29/2025</a:t>
             </a:fld>
             <a:endParaRPr lang="en-US"/>
           </a:p>
@@ -2355,7 +2355,7 @@
           <a:p>
             <a:fld id="{476D9124-AB36-4B7F-A4E2-3FFA9B99052F}" type="datetimeFigureOut">
               <a:rPr lang="en-US" smtClean="0"/>
-              <a:t>4/11/2025</a:t>
+              <a:t>4/29/2025</a:t>
             </a:fld>
             <a:endParaRPr lang="en-US"/>
           </a:p>
@@ -2568,7 +2568,7 @@
           <a:p>
             <a:fld id="{476D9124-AB36-4B7F-A4E2-3FFA9B99052F}" type="datetimeFigureOut">
               <a:rPr lang="en-US" smtClean="0"/>
-              <a:t>4/11/2025</a:t>
+              <a:t>4/29/2025</a:t>
             </a:fld>
             <a:endParaRPr lang="en-US"/>
           </a:p>
@@ -5323,16 +5323,12 @@
           <a:lstStyle/>
           <a:p>
             <a:r>
-              <a:rPr lang="en-US" sz="900" dirty="0" err="1">
+              <a:rPr lang="en-US" sz="900" dirty="0">
                 <a:latin typeface="Arial" panose="020B0604020202020204" pitchFamily="34" charset="0"/>
                 <a:cs typeface="Arial" panose="020B0604020202020204" pitchFamily="34" charset="0"/>
               </a:rPr>
               <a:t>rc</a:t>
             </a:r>
-            <a:endParaRPr lang="en-US" sz="900" dirty="0">
-              <a:latin typeface="Arial" panose="020B0604020202020204" pitchFamily="34" charset="0"/>
-              <a:cs typeface="Arial" panose="020B0604020202020204" pitchFamily="34" charset="0"/>
-            </a:endParaRPr>
           </a:p>
         </p:txBody>
       </p:sp>
@@ -5517,16 +5513,12 @@
           <a:lstStyle/>
           <a:p>
             <a:r>
-              <a:rPr lang="en-US" sz="900" dirty="0" err="1">
+              <a:rPr lang="en-US" sz="900" dirty="0">
                 <a:latin typeface="Arial" panose="020B0604020202020204" pitchFamily="34" charset="0"/>
                 <a:cs typeface="Arial" panose="020B0604020202020204" pitchFamily="34" charset="0"/>
               </a:rPr>
               <a:t>rc</a:t>
             </a:r>
-            <a:endParaRPr lang="en-US" sz="900" dirty="0">
-              <a:latin typeface="Arial" panose="020B0604020202020204" pitchFamily="34" charset="0"/>
-              <a:cs typeface="Arial" panose="020B0604020202020204" pitchFamily="34" charset="0"/>
-            </a:endParaRPr>
           </a:p>
         </p:txBody>
       </p:sp>
@@ -5544,8 +5536,8 @@
         </p:nvSpPr>
         <p:spPr>
           <a:xfrm rot="18517277">
-            <a:off x="1808591" y="2239404"/>
-            <a:ext cx="223138" cy="230832"/>
+            <a:off x="1751684" y="2239404"/>
+            <a:ext cx="336952" cy="230832"/>
           </a:xfrm>
           <a:prstGeom prst="rect">
             <a:avLst/>
@@ -5565,6 +5557,20 @@
               </a:rPr>
               <a:t>r</a:t>
             </a:r>
+            <a:r>
+              <a:rPr lang="en-US" sz="300" dirty="0">
+                <a:latin typeface="Arial" panose="020B0604020202020204" pitchFamily="34" charset="0"/>
+                <a:cs typeface="Arial" panose="020B0604020202020204" pitchFamily="34" charset="0"/>
+              </a:rPr>
+              <a:t> </a:t>
+            </a:r>
+            <a:r>
+              <a:rPr lang="en-US" sz="900" dirty="0">
+                <a:latin typeface="Arial" panose="020B0604020202020204" pitchFamily="34" charset="0"/>
+                <a:cs typeface="Arial" panose="020B0604020202020204" pitchFamily="34" charset="0"/>
+              </a:rPr>
+              <a:t>m</a:t>
+            </a:r>
           </a:p>
         </p:txBody>
       </p:sp>
@@ -5597,16 +5603,12 @@
           <a:lstStyle/>
           <a:p>
             <a:r>
-              <a:rPr lang="en-US" sz="900" dirty="0" err="1">
+              <a:rPr lang="en-US" sz="900" dirty="0">
                 <a:latin typeface="Arial" panose="020B0604020202020204" pitchFamily="34" charset="0"/>
                 <a:cs typeface="Arial" panose="020B0604020202020204" pitchFamily="34" charset="0"/>
               </a:rPr>
               <a:t>rc</a:t>
             </a:r>
-            <a:endParaRPr lang="en-US" sz="900" dirty="0">
-              <a:latin typeface="Arial" panose="020B0604020202020204" pitchFamily="34" charset="0"/>
-              <a:cs typeface="Arial" panose="020B0604020202020204" pitchFamily="34" charset="0"/>
-            </a:endParaRPr>
           </a:p>
         </p:txBody>
       </p:sp>
@@ -5624,8 +5626,8 @@
         </p:nvSpPr>
         <p:spPr>
           <a:xfrm rot="18517277">
-            <a:off x="2291196" y="2239403"/>
-            <a:ext cx="223138" cy="230832"/>
+            <a:off x="2237495" y="2239403"/>
+            <a:ext cx="330540" cy="230832"/>
           </a:xfrm>
           <a:prstGeom prst="rect">
             <a:avLst/>
@@ -5645,6 +5647,20 @@
               </a:rPr>
               <a:t>r</a:t>
             </a:r>
+            <a:r>
+              <a:rPr lang="en-US" sz="300" dirty="0">
+                <a:latin typeface="Arial" panose="020B0604020202020204" pitchFamily="34" charset="0"/>
+                <a:cs typeface="Arial" panose="020B0604020202020204" pitchFamily="34" charset="0"/>
+              </a:rPr>
+              <a:t> </a:t>
+            </a:r>
+            <a:r>
+              <a:rPr lang="en-US" sz="900" dirty="0">
+                <a:latin typeface="Arial" panose="020B0604020202020204" pitchFamily="34" charset="0"/>
+                <a:cs typeface="Arial" panose="020B0604020202020204" pitchFamily="34" charset="0"/>
+              </a:rPr>
+              <a:t>m</a:t>
+            </a:r>
           </a:p>
         </p:txBody>
       </p:sp>
@@ -5662,8 +5678,8 @@
         </p:nvSpPr>
         <p:spPr>
           <a:xfrm rot="18517277">
-            <a:off x="2443596" y="2239404"/>
-            <a:ext cx="223138" cy="230832"/>
+            <a:off x="2389895" y="2239404"/>
+            <a:ext cx="330540" cy="230832"/>
           </a:xfrm>
           <a:prstGeom prst="rect">
             <a:avLst/>
@@ -5683,6 +5699,20 @@
               </a:rPr>
               <a:t>r</a:t>
             </a:r>
+            <a:r>
+              <a:rPr lang="en-US" sz="300" dirty="0">
+                <a:latin typeface="Arial" panose="020B0604020202020204" pitchFamily="34" charset="0"/>
+                <a:cs typeface="Arial" panose="020B0604020202020204" pitchFamily="34" charset="0"/>
+              </a:rPr>
+              <a:t> </a:t>
+            </a:r>
+            <a:r>
+              <a:rPr lang="en-US" sz="900" dirty="0">
+                <a:latin typeface="Arial" panose="020B0604020202020204" pitchFamily="34" charset="0"/>
+                <a:cs typeface="Arial" panose="020B0604020202020204" pitchFamily="34" charset="0"/>
+              </a:rPr>
+              <a:t>m</a:t>
+            </a:r>
           </a:p>
         </p:txBody>
       </p:sp>
@@ -6156,8 +6186,8 @@
         </p:nvSpPr>
         <p:spPr>
           <a:xfrm rot="18517277">
-            <a:off x="4464697" y="2247871"/>
-            <a:ext cx="287258" cy="230832"/>
+            <a:off x="4467903" y="2247871"/>
+            <a:ext cx="280846" cy="230832"/>
           </a:xfrm>
           <a:prstGeom prst="rect">
             <a:avLst/>
@@ -6175,7 +6205,7 @@
                 <a:latin typeface="Arial" panose="020B0604020202020204" pitchFamily="34" charset="0"/>
                 <a:cs typeface="Arial" panose="020B0604020202020204" pitchFamily="34" charset="0"/>
               </a:rPr>
-              <a:t>rh</a:t>
+              <a:t>rk</a:t>
             </a:r>
           </a:p>
         </p:txBody>
@@ -6194,8 +6224,8 @@
         </p:nvSpPr>
         <p:spPr>
           <a:xfrm rot="18517277">
-            <a:off x="4617097" y="2252105"/>
-            <a:ext cx="287258" cy="230832"/>
+            <a:off x="4620303" y="2252105"/>
+            <a:ext cx="280846" cy="230832"/>
           </a:xfrm>
           <a:prstGeom prst="rect">
             <a:avLst/>
@@ -6213,7 +6243,7 @@
                 <a:latin typeface="Arial" panose="020B0604020202020204" pitchFamily="34" charset="0"/>
                 <a:cs typeface="Arial" panose="020B0604020202020204" pitchFamily="34" charset="0"/>
               </a:rPr>
-              <a:t>rh</a:t>
+              <a:t>rk</a:t>
             </a:r>
           </a:p>
         </p:txBody>
@@ -6232,8 +6262,8 @@
         </p:nvSpPr>
         <p:spPr>
           <a:xfrm rot="18517277">
-            <a:off x="4769497" y="2260574"/>
-            <a:ext cx="287258" cy="230832"/>
+            <a:off x="4772703" y="2260574"/>
+            <a:ext cx="280846" cy="230832"/>
           </a:xfrm>
           <a:prstGeom prst="rect">
             <a:avLst/>
@@ -6251,7 +6281,7 @@
                 <a:latin typeface="Arial" panose="020B0604020202020204" pitchFamily="34" charset="0"/>
                 <a:cs typeface="Arial" panose="020B0604020202020204" pitchFamily="34" charset="0"/>
               </a:rPr>
-              <a:t>rh</a:t>
+              <a:t>rk</a:t>
             </a:r>
           </a:p>
         </p:txBody>
@@ -6384,8 +6414,8 @@
         </p:nvSpPr>
         <p:spPr>
           <a:xfrm rot="18517277">
-            <a:off x="5864463" y="2239403"/>
-            <a:ext cx="223138" cy="230832"/>
+            <a:off x="5810762" y="2239403"/>
+            <a:ext cx="330540" cy="230832"/>
           </a:xfrm>
           <a:prstGeom prst="rect">
             <a:avLst/>
@@ -6405,6 +6435,20 @@
               </a:rPr>
               <a:t>r</a:t>
             </a:r>
+            <a:r>
+              <a:rPr lang="en-US" sz="300" dirty="0">
+                <a:latin typeface="Arial" panose="020B0604020202020204" pitchFamily="34" charset="0"/>
+                <a:cs typeface="Arial" panose="020B0604020202020204" pitchFamily="34" charset="0"/>
+              </a:rPr>
+              <a:t> </a:t>
+            </a:r>
+            <a:r>
+              <a:rPr lang="en-US" sz="900" dirty="0">
+                <a:latin typeface="Arial" panose="020B0604020202020204" pitchFamily="34" charset="0"/>
+                <a:cs typeface="Arial" panose="020B0604020202020204" pitchFamily="34" charset="0"/>
+              </a:rPr>
+              <a:t>m</a:t>
+            </a:r>
           </a:p>
         </p:txBody>
       </p:sp>
@@ -6422,8 +6466,8 @@
         </p:nvSpPr>
         <p:spPr>
           <a:xfrm rot="18517277">
-            <a:off x="6033794" y="2239403"/>
-            <a:ext cx="223138" cy="230832"/>
+            <a:off x="5980093" y="2239403"/>
+            <a:ext cx="330540" cy="230832"/>
           </a:xfrm>
           <a:prstGeom prst="rect">
             <a:avLst/>
@@ -6443,6 +6487,20 @@
               </a:rPr>
               <a:t>r</a:t>
             </a:r>
+            <a:r>
+              <a:rPr lang="en-US" sz="300" dirty="0">
+                <a:latin typeface="Arial" panose="020B0604020202020204" pitchFamily="34" charset="0"/>
+                <a:cs typeface="Arial" panose="020B0604020202020204" pitchFamily="34" charset="0"/>
+              </a:rPr>
+              <a:t> </a:t>
+            </a:r>
+            <a:r>
+              <a:rPr lang="en-US" sz="900" dirty="0">
+                <a:latin typeface="Arial" panose="020B0604020202020204" pitchFamily="34" charset="0"/>
+                <a:cs typeface="Arial" panose="020B0604020202020204" pitchFamily="34" charset="0"/>
+              </a:rPr>
+              <a:t>m</a:t>
+            </a:r>
           </a:p>
         </p:txBody>
       </p:sp>
@@ -6688,8 +6746,8 @@
         </p:nvSpPr>
         <p:spPr>
           <a:xfrm rot="18517277">
-            <a:off x="7134456" y="2243639"/>
-            <a:ext cx="223138" cy="230832"/>
+            <a:off x="7080755" y="2243639"/>
+            <a:ext cx="330540" cy="230832"/>
           </a:xfrm>
           <a:prstGeom prst="rect">
             <a:avLst/>
@@ -6709,6 +6767,20 @@
               </a:rPr>
               <a:t>r</a:t>
             </a:r>
+            <a:r>
+              <a:rPr lang="en-US" sz="300" dirty="0">
+                <a:latin typeface="Arial" panose="020B0604020202020204" pitchFamily="34" charset="0"/>
+                <a:cs typeface="Arial" panose="020B0604020202020204" pitchFamily="34" charset="0"/>
+              </a:rPr>
+              <a:t> </a:t>
+            </a:r>
+            <a:r>
+              <a:rPr lang="en-US" sz="900" dirty="0">
+                <a:latin typeface="Arial" panose="020B0604020202020204" pitchFamily="34" charset="0"/>
+                <a:cs typeface="Arial" panose="020B0604020202020204" pitchFamily="34" charset="0"/>
+              </a:rPr>
+              <a:t>m</a:t>
+            </a:r>
           </a:p>
         </p:txBody>
       </p:sp>
@@ -6741,16 +6813,12 @@
           <a:lstStyle/>
           <a:p>
             <a:r>
-              <a:rPr lang="en-US" sz="900" dirty="0" err="1">
+              <a:rPr lang="en-US" sz="900" dirty="0">
                 <a:latin typeface="Arial" panose="020B0604020202020204" pitchFamily="34" charset="0"/>
                 <a:cs typeface="Arial" panose="020B0604020202020204" pitchFamily="34" charset="0"/>
               </a:rPr>
               <a:t>rc</a:t>
             </a:r>
-            <a:endParaRPr lang="en-US" sz="900" dirty="0">
-              <a:latin typeface="Arial" panose="020B0604020202020204" pitchFamily="34" charset="0"/>
-              <a:cs typeface="Arial" panose="020B0604020202020204" pitchFamily="34" charset="0"/>
-            </a:endParaRPr>
           </a:p>
         </p:txBody>
       </p:sp>
@@ -6783,16 +6851,12 @@
           <a:lstStyle/>
           <a:p>
             <a:r>
-              <a:rPr lang="en-US" sz="900" dirty="0" err="1">
+              <a:rPr lang="en-US" sz="900" dirty="0">
                 <a:latin typeface="Arial" panose="020B0604020202020204" pitchFamily="34" charset="0"/>
                 <a:cs typeface="Arial" panose="020B0604020202020204" pitchFamily="34" charset="0"/>
               </a:rPr>
               <a:t>rc</a:t>
             </a:r>
-            <a:endParaRPr lang="en-US" sz="900" dirty="0">
-              <a:latin typeface="Arial" panose="020B0604020202020204" pitchFamily="34" charset="0"/>
-              <a:cs typeface="Arial" panose="020B0604020202020204" pitchFamily="34" charset="0"/>
-            </a:endParaRPr>
           </a:p>
         </p:txBody>
       </p:sp>
@@ -6825,16 +6889,12 @@
           <a:lstStyle/>
           <a:p>
             <a:r>
-              <a:rPr lang="en-US" sz="900" dirty="0" err="1">
+              <a:rPr lang="en-US" sz="900" dirty="0">
                 <a:latin typeface="Arial" panose="020B0604020202020204" pitchFamily="34" charset="0"/>
                 <a:cs typeface="Arial" panose="020B0604020202020204" pitchFamily="34" charset="0"/>
               </a:rPr>
               <a:t>rc</a:t>
             </a:r>
-            <a:endParaRPr lang="en-US" sz="900" dirty="0">
-              <a:latin typeface="Arial" panose="020B0604020202020204" pitchFamily="34" charset="0"/>
-              <a:cs typeface="Arial" panose="020B0604020202020204" pitchFamily="34" charset="0"/>
-            </a:endParaRPr>
           </a:p>
         </p:txBody>
       </p:sp>
@@ -7080,8 +7140,8 @@
         </p:nvSpPr>
         <p:spPr>
           <a:xfrm rot="18517277">
-            <a:off x="8703491" y="2265370"/>
-            <a:ext cx="287258" cy="230832"/>
+            <a:off x="8706697" y="2265370"/>
+            <a:ext cx="280846" cy="230832"/>
           </a:xfrm>
           <a:prstGeom prst="rect">
             <a:avLst/>
@@ -7099,7 +7159,7 @@
                 <a:latin typeface="Arial" panose="020B0604020202020204" pitchFamily="34" charset="0"/>
                 <a:cs typeface="Arial" panose="020B0604020202020204" pitchFamily="34" charset="0"/>
               </a:rPr>
-              <a:t>rh</a:t>
+              <a:t>rk</a:t>
             </a:r>
           </a:p>
         </p:txBody>
@@ -7118,8 +7178,8 @@
         </p:nvSpPr>
         <p:spPr>
           <a:xfrm rot="18517277">
-            <a:off x="8855891" y="2269604"/>
-            <a:ext cx="287258" cy="230832"/>
+            <a:off x="8859097" y="2269604"/>
+            <a:ext cx="280846" cy="230832"/>
           </a:xfrm>
           <a:prstGeom prst="rect">
             <a:avLst/>
@@ -7137,7 +7197,7 @@
                 <a:latin typeface="Arial" panose="020B0604020202020204" pitchFamily="34" charset="0"/>
                 <a:cs typeface="Arial" panose="020B0604020202020204" pitchFamily="34" charset="0"/>
               </a:rPr>
-              <a:t>rh</a:t>
+              <a:t>rk</a:t>
             </a:r>
           </a:p>
         </p:txBody>
@@ -7156,8 +7216,8 @@
         </p:nvSpPr>
         <p:spPr>
           <a:xfrm rot="18517277">
-            <a:off x="9008291" y="2278073"/>
-            <a:ext cx="287258" cy="230832"/>
+            <a:off x="9011497" y="2278073"/>
+            <a:ext cx="280846" cy="230832"/>
           </a:xfrm>
           <a:prstGeom prst="rect">
             <a:avLst/>
@@ -7175,7 +7235,7 @@
                 <a:latin typeface="Arial" panose="020B0604020202020204" pitchFamily="34" charset="0"/>
                 <a:cs typeface="Arial" panose="020B0604020202020204" pitchFamily="34" charset="0"/>
               </a:rPr>
-              <a:t>rh</a:t>
+              <a:t>rk</a:t>
             </a:r>
           </a:p>
         </p:txBody>
@@ -7290,6 +7350,2209 @@
                 <a:cs typeface="Arial" panose="020B0604020202020204" pitchFamily="34" charset="0"/>
               </a:rPr>
               <a:t>me</a:t>
+            </a:r>
+          </a:p>
+        </p:txBody>
+      </p:sp>
+      <p:pic>
+        <p:nvPicPr>
+          <p:cNvPr id="5" name="Picture 4" descr="A screen shot of a graph&#10;&#10;AI-generated content may be incorrect.">
+            <a:extLst>
+              <a:ext uri="{FF2B5EF4-FFF2-40B4-BE49-F238E27FC236}">
+                <a16:creationId xmlns:a16="http://schemas.microsoft.com/office/drawing/2014/main" id="{BC5571D1-128A-D0AE-82D9-38FB31934476}"/>
+              </a:ext>
+            </a:extLst>
+          </p:cNvPr>
+          <p:cNvPicPr>
+            <a:picLocks noChangeAspect="1"/>
+          </p:cNvPicPr>
+          <p:nvPr/>
+        </p:nvPicPr>
+        <p:blipFill>
+          <a:blip r:embed="rId4">
+            <a:extLst>
+              <a:ext uri="{28A0092B-C50C-407E-A947-70E740481C1C}">
+                <a14:useLocalDpi xmlns:a14="http://schemas.microsoft.com/office/drawing/2010/main" val="0"/>
+              </a:ext>
+            </a:extLst>
+          </a:blip>
+          <a:srcRect l="24512" t="38244" r="73539" b="59886"/>
+          <a:stretch/>
+        </p:blipFill>
+        <p:spPr>
+          <a:xfrm>
+            <a:off x="7781965" y="5226050"/>
+            <a:ext cx="111660" cy="85725"/>
+          </a:xfrm>
+          <a:prstGeom prst="rect">
+            <a:avLst/>
+          </a:prstGeom>
+        </p:spPr>
+      </p:pic>
+      <p:sp>
+        <p:nvSpPr>
+          <p:cNvPr id="8" name="TextBox 7">
+            <a:extLst>
+              <a:ext uri="{FF2B5EF4-FFF2-40B4-BE49-F238E27FC236}">
+                <a16:creationId xmlns:a16="http://schemas.microsoft.com/office/drawing/2014/main" id="{B7AFF3A0-5797-F210-D3C1-A5932497D59B}"/>
+              </a:ext>
+            </a:extLst>
+          </p:cNvPr>
+          <p:cNvSpPr txBox="1"/>
+          <p:nvPr/>
+        </p:nvSpPr>
+        <p:spPr>
+          <a:xfrm>
+            <a:off x="7725922" y="5170489"/>
+            <a:ext cx="303314" cy="207749"/>
+          </a:xfrm>
+          <a:prstGeom prst="rect">
+            <a:avLst/>
+          </a:prstGeom>
+          <a:noFill/>
+        </p:spPr>
+        <p:txBody>
+          <a:bodyPr wrap="square" rtlCol="0">
+            <a:spAutoFit/>
+          </a:bodyPr>
+          <a:lstStyle/>
+          <a:p>
+            <a:r>
+              <a:rPr lang="en-US" sz="700" dirty="0">
+                <a:solidFill>
+                  <a:srgbClr val="525252"/>
+                </a:solidFill>
+                <a:latin typeface="Arial" panose="020B0604020202020204" pitchFamily="34" charset="0"/>
+                <a:cs typeface="Arial" panose="020B0604020202020204" pitchFamily="34" charset="0"/>
+              </a:rPr>
+              <a:t>rk</a:t>
+            </a:r>
+          </a:p>
+        </p:txBody>
+      </p:sp>
+      <p:sp>
+        <p:nvSpPr>
+          <p:cNvPr id="14" name="Rectangle 13">
+            <a:extLst>
+              <a:ext uri="{FF2B5EF4-FFF2-40B4-BE49-F238E27FC236}">
+                <a16:creationId xmlns:a16="http://schemas.microsoft.com/office/drawing/2014/main" id="{FCDA9972-7E55-5724-23AC-8C92C1EF0C47}"/>
+              </a:ext>
+            </a:extLst>
+          </p:cNvPr>
+          <p:cNvSpPr/>
+          <p:nvPr/>
+        </p:nvSpPr>
+        <p:spPr>
+          <a:xfrm>
+            <a:off x="8016409" y="5607050"/>
+            <a:ext cx="84604" cy="85725"/>
+          </a:xfrm>
+          <a:prstGeom prst="rect">
+            <a:avLst/>
+          </a:prstGeom>
+          <a:solidFill>
+            <a:schemeClr val="bg1"/>
+          </a:solidFill>
+          <a:ln>
+            <a:solidFill>
+              <a:schemeClr val="bg1"/>
+            </a:solidFill>
+          </a:ln>
+        </p:spPr>
+        <p:style>
+          <a:lnRef idx="2">
+            <a:schemeClr val="accent1">
+              <a:shade val="15000"/>
+            </a:schemeClr>
+          </a:lnRef>
+          <a:fillRef idx="1">
+            <a:schemeClr val="accent1"/>
+          </a:fillRef>
+          <a:effectRef idx="0">
+            <a:schemeClr val="accent1"/>
+          </a:effectRef>
+          <a:fontRef idx="minor">
+            <a:schemeClr val="lt1"/>
+          </a:fontRef>
+        </p:style>
+        <p:txBody>
+          <a:bodyPr rtlCol="0" anchor="ctr"/>
+          <a:lstStyle/>
+          <a:p>
+            <a:pPr algn="ctr"/>
+            <a:endParaRPr lang="en-US"/>
+          </a:p>
+        </p:txBody>
+      </p:sp>
+      <p:sp>
+        <p:nvSpPr>
+          <p:cNvPr id="12" name="TextBox 11">
+            <a:extLst>
+              <a:ext uri="{FF2B5EF4-FFF2-40B4-BE49-F238E27FC236}">
+                <a16:creationId xmlns:a16="http://schemas.microsoft.com/office/drawing/2014/main" id="{486DE7D7-104E-D2DB-7434-261E3A5E7245}"/>
+              </a:ext>
+            </a:extLst>
+          </p:cNvPr>
+          <p:cNvSpPr txBox="1"/>
+          <p:nvPr/>
+        </p:nvSpPr>
+        <p:spPr>
+          <a:xfrm>
+            <a:off x="7940974" y="5541960"/>
+            <a:ext cx="303314" cy="207749"/>
+          </a:xfrm>
+          <a:prstGeom prst="rect">
+            <a:avLst/>
+          </a:prstGeom>
+          <a:noFill/>
+        </p:spPr>
+        <p:txBody>
+          <a:bodyPr wrap="square" rtlCol="0">
+            <a:spAutoFit/>
+          </a:bodyPr>
+          <a:lstStyle/>
+          <a:p>
+            <a:r>
+              <a:rPr lang="en-US" sz="700" dirty="0">
+                <a:solidFill>
+                  <a:srgbClr val="525252"/>
+                </a:solidFill>
+                <a:latin typeface="Arial" panose="020B0604020202020204" pitchFamily="34" charset="0"/>
+                <a:cs typeface="Arial" panose="020B0604020202020204" pitchFamily="34" charset="0"/>
+              </a:rPr>
+              <a:t>rk</a:t>
+            </a:r>
+          </a:p>
+        </p:txBody>
+      </p:sp>
+      <p:grpSp>
+        <p:nvGrpSpPr>
+          <p:cNvPr id="127" name="Group 126">
+            <a:extLst>
+              <a:ext uri="{FF2B5EF4-FFF2-40B4-BE49-F238E27FC236}">
+                <a16:creationId xmlns:a16="http://schemas.microsoft.com/office/drawing/2014/main" id="{C0EA058A-8C87-382C-B93F-355E64C303A0}"/>
+              </a:ext>
+            </a:extLst>
+          </p:cNvPr>
+          <p:cNvGrpSpPr/>
+          <p:nvPr/>
+        </p:nvGrpSpPr>
+        <p:grpSpPr>
+          <a:xfrm>
+            <a:off x="8583913" y="5351461"/>
+            <a:ext cx="303314" cy="207749"/>
+            <a:chOff x="8583913" y="5351461"/>
+            <a:chExt cx="303314" cy="207749"/>
+          </a:xfrm>
+        </p:grpSpPr>
+        <p:sp>
+          <p:nvSpPr>
+            <p:cNvPr id="17" name="Rectangle 16">
+              <a:extLst>
+                <a:ext uri="{FF2B5EF4-FFF2-40B4-BE49-F238E27FC236}">
+                  <a16:creationId xmlns:a16="http://schemas.microsoft.com/office/drawing/2014/main" id="{DE331F33-D320-267F-249A-89C36759E1C1}"/>
+                </a:ext>
+              </a:extLst>
+            </p:cNvPr>
+            <p:cNvSpPr/>
+            <p:nvPr/>
+          </p:nvSpPr>
+          <p:spPr>
+            <a:xfrm>
+              <a:off x="8660906" y="5411788"/>
+              <a:ext cx="84604" cy="85725"/>
+            </a:xfrm>
+            <a:prstGeom prst="rect">
+              <a:avLst/>
+            </a:prstGeom>
+            <a:solidFill>
+              <a:schemeClr val="bg1"/>
+            </a:solidFill>
+            <a:ln>
+              <a:solidFill>
+                <a:schemeClr val="bg1"/>
+              </a:solidFill>
+            </a:ln>
+          </p:spPr>
+          <p:style>
+            <a:lnRef idx="2">
+              <a:schemeClr val="accent1">
+                <a:shade val="15000"/>
+              </a:schemeClr>
+            </a:lnRef>
+            <a:fillRef idx="1">
+              <a:schemeClr val="accent1"/>
+            </a:fillRef>
+            <a:effectRef idx="0">
+              <a:schemeClr val="accent1"/>
+            </a:effectRef>
+            <a:fontRef idx="minor">
+              <a:schemeClr val="lt1"/>
+            </a:fontRef>
+          </p:style>
+          <p:txBody>
+            <a:bodyPr rtlCol="0" anchor="ctr"/>
+            <a:lstStyle/>
+            <a:p>
+              <a:pPr algn="ctr"/>
+              <a:endParaRPr lang="en-US"/>
+            </a:p>
+          </p:txBody>
+        </p:sp>
+        <p:sp>
+          <p:nvSpPr>
+            <p:cNvPr id="126" name="TextBox 125">
+              <a:extLst>
+                <a:ext uri="{FF2B5EF4-FFF2-40B4-BE49-F238E27FC236}">
+                  <a16:creationId xmlns:a16="http://schemas.microsoft.com/office/drawing/2014/main" id="{F5F9319B-7F3F-A9BA-A03A-6ADDB24EA98A}"/>
+                </a:ext>
+              </a:extLst>
+            </p:cNvPr>
+            <p:cNvSpPr txBox="1"/>
+            <p:nvPr/>
+          </p:nvSpPr>
+          <p:spPr>
+            <a:xfrm>
+              <a:off x="8583913" y="5351461"/>
+              <a:ext cx="303314" cy="207749"/>
+            </a:xfrm>
+            <a:prstGeom prst="rect">
+              <a:avLst/>
+            </a:prstGeom>
+            <a:noFill/>
+          </p:spPr>
+          <p:txBody>
+            <a:bodyPr wrap="square" rtlCol="0">
+              <a:spAutoFit/>
+            </a:bodyPr>
+            <a:lstStyle/>
+            <a:p>
+              <a:r>
+                <a:rPr lang="en-US" sz="700" dirty="0">
+                  <a:solidFill>
+                    <a:srgbClr val="525252"/>
+                  </a:solidFill>
+                  <a:latin typeface="Arial" panose="020B0604020202020204" pitchFamily="34" charset="0"/>
+                  <a:cs typeface="Arial" panose="020B0604020202020204" pitchFamily="34" charset="0"/>
+                </a:rPr>
+                <a:t>rk</a:t>
+              </a:r>
+            </a:p>
+          </p:txBody>
+        </p:sp>
+      </p:grpSp>
+      <p:sp>
+        <p:nvSpPr>
+          <p:cNvPr id="129" name="Rectangle 128">
+            <a:extLst>
+              <a:ext uri="{FF2B5EF4-FFF2-40B4-BE49-F238E27FC236}">
+                <a16:creationId xmlns:a16="http://schemas.microsoft.com/office/drawing/2014/main" id="{8BA47E58-650D-30F7-660E-063DD3827BB7}"/>
+              </a:ext>
+            </a:extLst>
+          </p:cNvPr>
+          <p:cNvSpPr/>
+          <p:nvPr/>
+        </p:nvSpPr>
+        <p:spPr>
+          <a:xfrm>
+            <a:off x="6799953" y="3320095"/>
+            <a:ext cx="84604" cy="85725"/>
+          </a:xfrm>
+          <a:prstGeom prst="rect">
+            <a:avLst/>
+          </a:prstGeom>
+          <a:solidFill>
+            <a:schemeClr val="bg1"/>
+          </a:solidFill>
+          <a:ln>
+            <a:solidFill>
+              <a:schemeClr val="bg1"/>
+            </a:solidFill>
+          </a:ln>
+        </p:spPr>
+        <p:style>
+          <a:lnRef idx="2">
+            <a:schemeClr val="accent1">
+              <a:shade val="15000"/>
+            </a:schemeClr>
+          </a:lnRef>
+          <a:fillRef idx="1">
+            <a:schemeClr val="accent1"/>
+          </a:fillRef>
+          <a:effectRef idx="0">
+            <a:schemeClr val="accent1"/>
+          </a:effectRef>
+          <a:fontRef idx="minor">
+            <a:schemeClr val="lt1"/>
+          </a:fontRef>
+        </p:style>
+        <p:txBody>
+          <a:bodyPr rtlCol="0" anchor="ctr"/>
+          <a:lstStyle/>
+          <a:p>
+            <a:pPr algn="ctr"/>
+            <a:endParaRPr lang="en-US"/>
+          </a:p>
+        </p:txBody>
+      </p:sp>
+      <p:sp>
+        <p:nvSpPr>
+          <p:cNvPr id="132" name="Rectangle 131">
+            <a:extLst>
+              <a:ext uri="{FF2B5EF4-FFF2-40B4-BE49-F238E27FC236}">
+                <a16:creationId xmlns:a16="http://schemas.microsoft.com/office/drawing/2014/main" id="{D851C30A-4C42-9C2C-724B-1269DE63917B}"/>
+              </a:ext>
+            </a:extLst>
+          </p:cNvPr>
+          <p:cNvSpPr/>
+          <p:nvPr/>
+        </p:nvSpPr>
+        <p:spPr>
+          <a:xfrm>
+            <a:off x="7601524" y="3463370"/>
+            <a:ext cx="84604" cy="85725"/>
+          </a:xfrm>
+          <a:prstGeom prst="rect">
+            <a:avLst/>
+          </a:prstGeom>
+          <a:solidFill>
+            <a:schemeClr val="bg1"/>
+          </a:solidFill>
+          <a:ln>
+            <a:solidFill>
+              <a:schemeClr val="bg1"/>
+            </a:solidFill>
+          </a:ln>
+        </p:spPr>
+        <p:style>
+          <a:lnRef idx="2">
+            <a:schemeClr val="accent1">
+              <a:shade val="15000"/>
+            </a:schemeClr>
+          </a:lnRef>
+          <a:fillRef idx="1">
+            <a:schemeClr val="accent1"/>
+          </a:fillRef>
+          <a:effectRef idx="0">
+            <a:schemeClr val="accent1"/>
+          </a:effectRef>
+          <a:fontRef idx="minor">
+            <a:schemeClr val="lt1"/>
+          </a:fontRef>
+        </p:style>
+        <p:txBody>
+          <a:bodyPr rtlCol="0" anchor="ctr"/>
+          <a:lstStyle/>
+          <a:p>
+            <a:pPr algn="ctr"/>
+            <a:endParaRPr lang="en-US"/>
+          </a:p>
+        </p:txBody>
+      </p:sp>
+      <p:sp>
+        <p:nvSpPr>
+          <p:cNvPr id="133" name="TextBox 132">
+            <a:extLst>
+              <a:ext uri="{FF2B5EF4-FFF2-40B4-BE49-F238E27FC236}">
+                <a16:creationId xmlns:a16="http://schemas.microsoft.com/office/drawing/2014/main" id="{511E5648-BE14-83F3-073B-86E16C2F04BD}"/>
+              </a:ext>
+            </a:extLst>
+          </p:cNvPr>
+          <p:cNvSpPr txBox="1"/>
+          <p:nvPr/>
+        </p:nvSpPr>
+        <p:spPr>
+          <a:xfrm>
+            <a:off x="7554371" y="3393520"/>
+            <a:ext cx="303314" cy="200055"/>
+          </a:xfrm>
+          <a:prstGeom prst="rect">
+            <a:avLst/>
+          </a:prstGeom>
+          <a:noFill/>
+        </p:spPr>
+        <p:txBody>
+          <a:bodyPr wrap="square" rtlCol="0">
+            <a:spAutoFit/>
+          </a:bodyPr>
+          <a:lstStyle/>
+          <a:p>
+            <a:r>
+              <a:rPr lang="en-US" sz="700" dirty="0">
+                <a:solidFill>
+                  <a:srgbClr val="525252"/>
+                </a:solidFill>
+                <a:latin typeface="Arial" panose="020B0604020202020204" pitchFamily="34" charset="0"/>
+                <a:cs typeface="Arial" panose="020B0604020202020204" pitchFamily="34" charset="0"/>
+              </a:rPr>
+              <a:t>r</a:t>
+            </a:r>
+            <a:r>
+              <a:rPr lang="en-US" sz="100" dirty="0">
+                <a:solidFill>
+                  <a:srgbClr val="525252"/>
+                </a:solidFill>
+                <a:latin typeface="Arial" panose="020B0604020202020204" pitchFamily="34" charset="0"/>
+                <a:cs typeface="Arial" panose="020B0604020202020204" pitchFamily="34" charset="0"/>
+              </a:rPr>
+              <a:t> </a:t>
+            </a:r>
+            <a:r>
+              <a:rPr lang="en-US" sz="700" dirty="0">
+                <a:solidFill>
+                  <a:srgbClr val="525252"/>
+                </a:solidFill>
+                <a:latin typeface="Arial" panose="020B0604020202020204" pitchFamily="34" charset="0"/>
+                <a:cs typeface="Arial" panose="020B0604020202020204" pitchFamily="34" charset="0"/>
+              </a:rPr>
+              <a:t>m</a:t>
+            </a:r>
+          </a:p>
+        </p:txBody>
+      </p:sp>
+      <p:sp>
+        <p:nvSpPr>
+          <p:cNvPr id="134" name="TextBox 133">
+            <a:extLst>
+              <a:ext uri="{FF2B5EF4-FFF2-40B4-BE49-F238E27FC236}">
+                <a16:creationId xmlns:a16="http://schemas.microsoft.com/office/drawing/2014/main" id="{0CC02E3A-2D12-A7C6-C60E-7EED942E1DC1}"/>
+              </a:ext>
+            </a:extLst>
+          </p:cNvPr>
+          <p:cNvSpPr txBox="1"/>
+          <p:nvPr/>
+        </p:nvSpPr>
+        <p:spPr>
+          <a:xfrm>
+            <a:off x="6698829" y="3262941"/>
+            <a:ext cx="303314" cy="200055"/>
+          </a:xfrm>
+          <a:prstGeom prst="rect">
+            <a:avLst/>
+          </a:prstGeom>
+          <a:noFill/>
+        </p:spPr>
+        <p:txBody>
+          <a:bodyPr wrap="square" rtlCol="0">
+            <a:spAutoFit/>
+          </a:bodyPr>
+          <a:lstStyle/>
+          <a:p>
+            <a:r>
+              <a:rPr lang="en-US" sz="700" dirty="0">
+                <a:solidFill>
+                  <a:srgbClr val="525252"/>
+                </a:solidFill>
+                <a:latin typeface="Arial" panose="020B0604020202020204" pitchFamily="34" charset="0"/>
+                <a:cs typeface="Arial" panose="020B0604020202020204" pitchFamily="34" charset="0"/>
+              </a:rPr>
+              <a:t>r</a:t>
+            </a:r>
+            <a:r>
+              <a:rPr lang="en-US" sz="100" dirty="0">
+                <a:solidFill>
+                  <a:srgbClr val="525252"/>
+                </a:solidFill>
+                <a:latin typeface="Arial" panose="020B0604020202020204" pitchFamily="34" charset="0"/>
+                <a:cs typeface="Arial" panose="020B0604020202020204" pitchFamily="34" charset="0"/>
+              </a:rPr>
+              <a:t> </a:t>
+            </a:r>
+            <a:r>
+              <a:rPr lang="en-US" sz="700" dirty="0">
+                <a:solidFill>
+                  <a:srgbClr val="525252"/>
+                </a:solidFill>
+                <a:latin typeface="Arial" panose="020B0604020202020204" pitchFamily="34" charset="0"/>
+                <a:cs typeface="Arial" panose="020B0604020202020204" pitchFamily="34" charset="0"/>
+              </a:rPr>
+              <a:t>m</a:t>
+            </a:r>
+          </a:p>
+        </p:txBody>
+      </p:sp>
+      <p:grpSp>
+        <p:nvGrpSpPr>
+          <p:cNvPr id="137" name="Group 136">
+            <a:extLst>
+              <a:ext uri="{FF2B5EF4-FFF2-40B4-BE49-F238E27FC236}">
+                <a16:creationId xmlns:a16="http://schemas.microsoft.com/office/drawing/2014/main" id="{3E87CE48-70BA-7FB4-8760-F15064C68EA6}"/>
+              </a:ext>
+            </a:extLst>
+          </p:cNvPr>
+          <p:cNvGrpSpPr/>
+          <p:nvPr/>
+        </p:nvGrpSpPr>
+        <p:grpSpPr>
+          <a:xfrm>
+            <a:off x="7372505" y="2707322"/>
+            <a:ext cx="303314" cy="200055"/>
+            <a:chOff x="7372505" y="2707322"/>
+            <a:chExt cx="303314" cy="200055"/>
+          </a:xfrm>
+        </p:grpSpPr>
+        <p:sp>
+          <p:nvSpPr>
+            <p:cNvPr id="136" name="Rectangle 135">
+              <a:extLst>
+                <a:ext uri="{FF2B5EF4-FFF2-40B4-BE49-F238E27FC236}">
+                  <a16:creationId xmlns:a16="http://schemas.microsoft.com/office/drawing/2014/main" id="{8D8374C3-C2D5-8183-28D5-D93215CD407B}"/>
+                </a:ext>
+              </a:extLst>
+            </p:cNvPr>
+            <p:cNvSpPr/>
+            <p:nvPr/>
+          </p:nvSpPr>
+          <p:spPr>
+            <a:xfrm>
+              <a:off x="7465803" y="2777570"/>
+              <a:ext cx="84604" cy="85725"/>
+            </a:xfrm>
+            <a:prstGeom prst="rect">
+              <a:avLst/>
+            </a:prstGeom>
+            <a:solidFill>
+              <a:schemeClr val="bg1"/>
+            </a:solidFill>
+            <a:ln>
+              <a:solidFill>
+                <a:schemeClr val="bg1"/>
+              </a:solidFill>
+            </a:ln>
+          </p:spPr>
+          <p:style>
+            <a:lnRef idx="2">
+              <a:schemeClr val="accent1">
+                <a:shade val="15000"/>
+              </a:schemeClr>
+            </a:lnRef>
+            <a:fillRef idx="1">
+              <a:schemeClr val="accent1"/>
+            </a:fillRef>
+            <a:effectRef idx="0">
+              <a:schemeClr val="accent1"/>
+            </a:effectRef>
+            <a:fontRef idx="minor">
+              <a:schemeClr val="lt1"/>
+            </a:fontRef>
+          </p:style>
+          <p:txBody>
+            <a:bodyPr rtlCol="0" anchor="ctr"/>
+            <a:lstStyle/>
+            <a:p>
+              <a:pPr algn="ctr"/>
+              <a:endParaRPr lang="en-US"/>
+            </a:p>
+          </p:txBody>
+        </p:sp>
+        <p:sp>
+          <p:nvSpPr>
+            <p:cNvPr id="135" name="TextBox 134">
+              <a:extLst>
+                <a:ext uri="{FF2B5EF4-FFF2-40B4-BE49-F238E27FC236}">
+                  <a16:creationId xmlns:a16="http://schemas.microsoft.com/office/drawing/2014/main" id="{D45BCB90-95A0-F962-D855-02474CF29505}"/>
+                </a:ext>
+              </a:extLst>
+            </p:cNvPr>
+            <p:cNvSpPr txBox="1"/>
+            <p:nvPr/>
+          </p:nvSpPr>
+          <p:spPr>
+            <a:xfrm>
+              <a:off x="7372505" y="2707322"/>
+              <a:ext cx="303314" cy="200055"/>
+            </a:xfrm>
+            <a:prstGeom prst="rect">
+              <a:avLst/>
+            </a:prstGeom>
+            <a:noFill/>
+          </p:spPr>
+          <p:txBody>
+            <a:bodyPr wrap="square" rtlCol="0">
+              <a:spAutoFit/>
+            </a:bodyPr>
+            <a:lstStyle/>
+            <a:p>
+              <a:r>
+                <a:rPr lang="en-US" sz="700" dirty="0">
+                  <a:solidFill>
+                    <a:srgbClr val="525252"/>
+                  </a:solidFill>
+                  <a:latin typeface="Arial" panose="020B0604020202020204" pitchFamily="34" charset="0"/>
+                  <a:cs typeface="Arial" panose="020B0604020202020204" pitchFamily="34" charset="0"/>
+                </a:rPr>
+                <a:t>r</a:t>
+              </a:r>
+              <a:r>
+                <a:rPr lang="en-US" sz="100" dirty="0">
+                  <a:solidFill>
+                    <a:srgbClr val="525252"/>
+                  </a:solidFill>
+                  <a:latin typeface="Arial" panose="020B0604020202020204" pitchFamily="34" charset="0"/>
+                  <a:cs typeface="Arial" panose="020B0604020202020204" pitchFamily="34" charset="0"/>
+                </a:rPr>
+                <a:t> </a:t>
+              </a:r>
+              <a:r>
+                <a:rPr lang="en-US" sz="700" dirty="0">
+                  <a:solidFill>
+                    <a:srgbClr val="525252"/>
+                  </a:solidFill>
+                  <a:latin typeface="Arial" panose="020B0604020202020204" pitchFamily="34" charset="0"/>
+                  <a:cs typeface="Arial" panose="020B0604020202020204" pitchFamily="34" charset="0"/>
+                </a:rPr>
+                <a:t>m</a:t>
+              </a:r>
+            </a:p>
+          </p:txBody>
+        </p:sp>
+      </p:grpSp>
+      <p:grpSp>
+        <p:nvGrpSpPr>
+          <p:cNvPr id="138" name="Group 137">
+            <a:extLst>
+              <a:ext uri="{FF2B5EF4-FFF2-40B4-BE49-F238E27FC236}">
+                <a16:creationId xmlns:a16="http://schemas.microsoft.com/office/drawing/2014/main" id="{02337D61-A16E-D097-DD9E-A4C1CC9DFFA5}"/>
+              </a:ext>
+            </a:extLst>
+          </p:cNvPr>
+          <p:cNvGrpSpPr/>
+          <p:nvPr/>
+        </p:nvGrpSpPr>
+        <p:grpSpPr>
+          <a:xfrm>
+            <a:off x="1637163" y="5645651"/>
+            <a:ext cx="303314" cy="200055"/>
+            <a:chOff x="7372505" y="2707322"/>
+            <a:chExt cx="303314" cy="200055"/>
+          </a:xfrm>
+        </p:grpSpPr>
+        <p:sp>
+          <p:nvSpPr>
+            <p:cNvPr id="139" name="Rectangle 138">
+              <a:extLst>
+                <a:ext uri="{FF2B5EF4-FFF2-40B4-BE49-F238E27FC236}">
+                  <a16:creationId xmlns:a16="http://schemas.microsoft.com/office/drawing/2014/main" id="{FBA608C9-4622-FF7F-DEFA-1CD74E2B4BF8}"/>
+                </a:ext>
+              </a:extLst>
+            </p:cNvPr>
+            <p:cNvSpPr/>
+            <p:nvPr/>
+          </p:nvSpPr>
+          <p:spPr>
+            <a:xfrm>
+              <a:off x="7465803" y="2777570"/>
+              <a:ext cx="84604" cy="85725"/>
+            </a:xfrm>
+            <a:prstGeom prst="rect">
+              <a:avLst/>
+            </a:prstGeom>
+            <a:solidFill>
+              <a:schemeClr val="bg1"/>
+            </a:solidFill>
+            <a:ln>
+              <a:solidFill>
+                <a:schemeClr val="bg1"/>
+              </a:solidFill>
+            </a:ln>
+          </p:spPr>
+          <p:style>
+            <a:lnRef idx="2">
+              <a:schemeClr val="accent1">
+                <a:shade val="15000"/>
+              </a:schemeClr>
+            </a:lnRef>
+            <a:fillRef idx="1">
+              <a:schemeClr val="accent1"/>
+            </a:fillRef>
+            <a:effectRef idx="0">
+              <a:schemeClr val="accent1"/>
+            </a:effectRef>
+            <a:fontRef idx="minor">
+              <a:schemeClr val="lt1"/>
+            </a:fontRef>
+          </p:style>
+          <p:txBody>
+            <a:bodyPr rtlCol="0" anchor="ctr"/>
+            <a:lstStyle/>
+            <a:p>
+              <a:pPr algn="ctr"/>
+              <a:endParaRPr lang="en-US"/>
+            </a:p>
+          </p:txBody>
+        </p:sp>
+        <p:sp>
+          <p:nvSpPr>
+            <p:cNvPr id="140" name="TextBox 139">
+              <a:extLst>
+                <a:ext uri="{FF2B5EF4-FFF2-40B4-BE49-F238E27FC236}">
+                  <a16:creationId xmlns:a16="http://schemas.microsoft.com/office/drawing/2014/main" id="{D9CC2F57-110E-3628-D612-F00241533B6A}"/>
+                </a:ext>
+              </a:extLst>
+            </p:cNvPr>
+            <p:cNvSpPr txBox="1"/>
+            <p:nvPr/>
+          </p:nvSpPr>
+          <p:spPr>
+            <a:xfrm>
+              <a:off x="7372505" y="2707322"/>
+              <a:ext cx="303314" cy="200055"/>
+            </a:xfrm>
+            <a:prstGeom prst="rect">
+              <a:avLst/>
+            </a:prstGeom>
+            <a:noFill/>
+          </p:spPr>
+          <p:txBody>
+            <a:bodyPr wrap="square" rtlCol="0">
+              <a:spAutoFit/>
+            </a:bodyPr>
+            <a:lstStyle/>
+            <a:p>
+              <a:r>
+                <a:rPr lang="en-US" sz="700" dirty="0">
+                  <a:solidFill>
+                    <a:srgbClr val="525252"/>
+                  </a:solidFill>
+                  <a:latin typeface="Arial" panose="020B0604020202020204" pitchFamily="34" charset="0"/>
+                  <a:cs typeface="Arial" panose="020B0604020202020204" pitchFamily="34" charset="0"/>
+                </a:rPr>
+                <a:t>r</a:t>
+              </a:r>
+              <a:r>
+                <a:rPr lang="en-US" sz="100" dirty="0">
+                  <a:solidFill>
+                    <a:srgbClr val="525252"/>
+                  </a:solidFill>
+                  <a:latin typeface="Arial" panose="020B0604020202020204" pitchFamily="34" charset="0"/>
+                  <a:cs typeface="Arial" panose="020B0604020202020204" pitchFamily="34" charset="0"/>
+                </a:rPr>
+                <a:t> </a:t>
+              </a:r>
+              <a:r>
+                <a:rPr lang="en-US" sz="700" dirty="0">
+                  <a:solidFill>
+                    <a:srgbClr val="525252"/>
+                  </a:solidFill>
+                  <a:latin typeface="Arial" panose="020B0604020202020204" pitchFamily="34" charset="0"/>
+                  <a:cs typeface="Arial" panose="020B0604020202020204" pitchFamily="34" charset="0"/>
+                </a:rPr>
+                <a:t>m</a:t>
+              </a:r>
+            </a:p>
+          </p:txBody>
+        </p:sp>
+      </p:grpSp>
+      <p:grpSp>
+        <p:nvGrpSpPr>
+          <p:cNvPr id="141" name="Group 140">
+            <a:extLst>
+              <a:ext uri="{FF2B5EF4-FFF2-40B4-BE49-F238E27FC236}">
+                <a16:creationId xmlns:a16="http://schemas.microsoft.com/office/drawing/2014/main" id="{A4389167-834E-04EF-BCEF-5F4110AECE33}"/>
+              </a:ext>
+            </a:extLst>
+          </p:cNvPr>
+          <p:cNvGrpSpPr/>
+          <p:nvPr/>
+        </p:nvGrpSpPr>
+        <p:grpSpPr>
+          <a:xfrm>
+            <a:off x="2272063" y="5682477"/>
+            <a:ext cx="303314" cy="200055"/>
+            <a:chOff x="7372505" y="2707322"/>
+            <a:chExt cx="303314" cy="200055"/>
+          </a:xfrm>
+        </p:grpSpPr>
+        <p:sp>
+          <p:nvSpPr>
+            <p:cNvPr id="142" name="Rectangle 141">
+              <a:extLst>
+                <a:ext uri="{FF2B5EF4-FFF2-40B4-BE49-F238E27FC236}">
+                  <a16:creationId xmlns:a16="http://schemas.microsoft.com/office/drawing/2014/main" id="{A74C8FEC-29F1-472F-4DA8-0AEBF3A08C39}"/>
+                </a:ext>
+              </a:extLst>
+            </p:cNvPr>
+            <p:cNvSpPr/>
+            <p:nvPr/>
+          </p:nvSpPr>
+          <p:spPr>
+            <a:xfrm>
+              <a:off x="7465803" y="2777570"/>
+              <a:ext cx="84604" cy="85725"/>
+            </a:xfrm>
+            <a:prstGeom prst="rect">
+              <a:avLst/>
+            </a:prstGeom>
+            <a:solidFill>
+              <a:schemeClr val="bg1"/>
+            </a:solidFill>
+            <a:ln>
+              <a:solidFill>
+                <a:schemeClr val="bg1"/>
+              </a:solidFill>
+            </a:ln>
+          </p:spPr>
+          <p:style>
+            <a:lnRef idx="2">
+              <a:schemeClr val="accent1">
+                <a:shade val="15000"/>
+              </a:schemeClr>
+            </a:lnRef>
+            <a:fillRef idx="1">
+              <a:schemeClr val="accent1"/>
+            </a:fillRef>
+            <a:effectRef idx="0">
+              <a:schemeClr val="accent1"/>
+            </a:effectRef>
+            <a:fontRef idx="minor">
+              <a:schemeClr val="lt1"/>
+            </a:fontRef>
+          </p:style>
+          <p:txBody>
+            <a:bodyPr rtlCol="0" anchor="ctr"/>
+            <a:lstStyle/>
+            <a:p>
+              <a:pPr algn="ctr"/>
+              <a:endParaRPr lang="en-US"/>
+            </a:p>
+          </p:txBody>
+        </p:sp>
+        <p:sp>
+          <p:nvSpPr>
+            <p:cNvPr id="143" name="TextBox 142">
+              <a:extLst>
+                <a:ext uri="{FF2B5EF4-FFF2-40B4-BE49-F238E27FC236}">
+                  <a16:creationId xmlns:a16="http://schemas.microsoft.com/office/drawing/2014/main" id="{B91F5702-27EC-60F2-CCD8-37F31DE520EE}"/>
+                </a:ext>
+              </a:extLst>
+            </p:cNvPr>
+            <p:cNvSpPr txBox="1"/>
+            <p:nvPr/>
+          </p:nvSpPr>
+          <p:spPr>
+            <a:xfrm>
+              <a:off x="7372505" y="2707322"/>
+              <a:ext cx="303314" cy="200055"/>
+            </a:xfrm>
+            <a:prstGeom prst="rect">
+              <a:avLst/>
+            </a:prstGeom>
+            <a:noFill/>
+          </p:spPr>
+          <p:txBody>
+            <a:bodyPr wrap="square" rtlCol="0">
+              <a:spAutoFit/>
+            </a:bodyPr>
+            <a:lstStyle/>
+            <a:p>
+              <a:r>
+                <a:rPr lang="en-US" sz="700" dirty="0">
+                  <a:solidFill>
+                    <a:srgbClr val="525252"/>
+                  </a:solidFill>
+                  <a:latin typeface="Arial" panose="020B0604020202020204" pitchFamily="34" charset="0"/>
+                  <a:cs typeface="Arial" panose="020B0604020202020204" pitchFamily="34" charset="0"/>
+                </a:rPr>
+                <a:t>r</a:t>
+              </a:r>
+              <a:r>
+                <a:rPr lang="en-US" sz="100" dirty="0">
+                  <a:solidFill>
+                    <a:srgbClr val="525252"/>
+                  </a:solidFill>
+                  <a:latin typeface="Arial" panose="020B0604020202020204" pitchFamily="34" charset="0"/>
+                  <a:cs typeface="Arial" panose="020B0604020202020204" pitchFamily="34" charset="0"/>
+                </a:rPr>
+                <a:t> </a:t>
+              </a:r>
+              <a:r>
+                <a:rPr lang="en-US" sz="700" dirty="0">
+                  <a:solidFill>
+                    <a:srgbClr val="525252"/>
+                  </a:solidFill>
+                  <a:latin typeface="Arial" panose="020B0604020202020204" pitchFamily="34" charset="0"/>
+                  <a:cs typeface="Arial" panose="020B0604020202020204" pitchFamily="34" charset="0"/>
+                </a:rPr>
+                <a:t>m</a:t>
+              </a:r>
+            </a:p>
+          </p:txBody>
+        </p:sp>
+      </p:grpSp>
+      <p:sp>
+        <p:nvSpPr>
+          <p:cNvPr id="145" name="Rectangle 144">
+            <a:extLst>
+              <a:ext uri="{FF2B5EF4-FFF2-40B4-BE49-F238E27FC236}">
+                <a16:creationId xmlns:a16="http://schemas.microsoft.com/office/drawing/2014/main" id="{FC79C345-2D15-5E82-3CEB-6AB18DA7598D}"/>
+              </a:ext>
+            </a:extLst>
+          </p:cNvPr>
+          <p:cNvSpPr/>
+          <p:nvPr/>
+        </p:nvSpPr>
+        <p:spPr>
+          <a:xfrm>
+            <a:off x="2170012" y="5890521"/>
+            <a:ext cx="84604" cy="65780"/>
+          </a:xfrm>
+          <a:prstGeom prst="rect">
+            <a:avLst/>
+          </a:prstGeom>
+          <a:solidFill>
+            <a:schemeClr val="bg1"/>
+          </a:solidFill>
+          <a:ln>
+            <a:solidFill>
+              <a:schemeClr val="bg1"/>
+            </a:solidFill>
+          </a:ln>
+        </p:spPr>
+        <p:style>
+          <a:lnRef idx="2">
+            <a:schemeClr val="accent1">
+              <a:shade val="15000"/>
+            </a:schemeClr>
+          </a:lnRef>
+          <a:fillRef idx="1">
+            <a:schemeClr val="accent1"/>
+          </a:fillRef>
+          <a:effectRef idx="0">
+            <a:schemeClr val="accent1"/>
+          </a:effectRef>
+          <a:fontRef idx="minor">
+            <a:schemeClr val="lt1"/>
+          </a:fontRef>
+        </p:style>
+        <p:txBody>
+          <a:bodyPr rtlCol="0" anchor="ctr"/>
+          <a:lstStyle/>
+          <a:p>
+            <a:pPr algn="ctr"/>
+            <a:endParaRPr lang="en-US"/>
+          </a:p>
+        </p:txBody>
+      </p:sp>
+      <p:sp>
+        <p:nvSpPr>
+          <p:cNvPr id="146" name="TextBox 145">
+            <a:extLst>
+              <a:ext uri="{FF2B5EF4-FFF2-40B4-BE49-F238E27FC236}">
+                <a16:creationId xmlns:a16="http://schemas.microsoft.com/office/drawing/2014/main" id="{7FDB357D-69AA-1BCB-22DD-4C9CD1F838B8}"/>
+              </a:ext>
+            </a:extLst>
+          </p:cNvPr>
+          <p:cNvSpPr txBox="1"/>
+          <p:nvPr/>
+        </p:nvSpPr>
+        <p:spPr>
+          <a:xfrm>
+            <a:off x="2067224" y="5817099"/>
+            <a:ext cx="303314" cy="200055"/>
+          </a:xfrm>
+          <a:prstGeom prst="rect">
+            <a:avLst/>
+          </a:prstGeom>
+          <a:noFill/>
+        </p:spPr>
+        <p:txBody>
+          <a:bodyPr wrap="square" rtlCol="0">
+            <a:spAutoFit/>
+          </a:bodyPr>
+          <a:lstStyle/>
+          <a:p>
+            <a:r>
+              <a:rPr lang="en-US" sz="700" dirty="0">
+                <a:solidFill>
+                  <a:srgbClr val="525252"/>
+                </a:solidFill>
+                <a:latin typeface="Arial" panose="020B0604020202020204" pitchFamily="34" charset="0"/>
+                <a:cs typeface="Arial" panose="020B0604020202020204" pitchFamily="34" charset="0"/>
+              </a:rPr>
+              <a:t>r</a:t>
+            </a:r>
+            <a:r>
+              <a:rPr lang="en-US" sz="100" dirty="0">
+                <a:solidFill>
+                  <a:srgbClr val="525252"/>
+                </a:solidFill>
+                <a:latin typeface="Arial" panose="020B0604020202020204" pitchFamily="34" charset="0"/>
+                <a:cs typeface="Arial" panose="020B0604020202020204" pitchFamily="34" charset="0"/>
+              </a:rPr>
+              <a:t> </a:t>
+            </a:r>
+            <a:r>
+              <a:rPr lang="en-US" sz="700" dirty="0">
+                <a:solidFill>
+                  <a:srgbClr val="525252"/>
+                </a:solidFill>
+                <a:latin typeface="Arial" panose="020B0604020202020204" pitchFamily="34" charset="0"/>
+                <a:cs typeface="Arial" panose="020B0604020202020204" pitchFamily="34" charset="0"/>
+              </a:rPr>
+              <a:t>m</a:t>
+            </a:r>
+          </a:p>
+        </p:txBody>
+      </p:sp>
+      <p:grpSp>
+        <p:nvGrpSpPr>
+          <p:cNvPr id="147" name="Group 146">
+            <a:extLst>
+              <a:ext uri="{FF2B5EF4-FFF2-40B4-BE49-F238E27FC236}">
+                <a16:creationId xmlns:a16="http://schemas.microsoft.com/office/drawing/2014/main" id="{DEA05401-6F6C-5AAC-5B9A-C04A9DCD03AF}"/>
+              </a:ext>
+            </a:extLst>
+          </p:cNvPr>
+          <p:cNvGrpSpPr/>
+          <p:nvPr/>
+        </p:nvGrpSpPr>
+        <p:grpSpPr>
+          <a:xfrm>
+            <a:off x="1988315" y="3523477"/>
+            <a:ext cx="303314" cy="200055"/>
+            <a:chOff x="7372505" y="2707322"/>
+            <a:chExt cx="303314" cy="200055"/>
+          </a:xfrm>
+        </p:grpSpPr>
+        <p:sp>
+          <p:nvSpPr>
+            <p:cNvPr id="148" name="Rectangle 147">
+              <a:extLst>
+                <a:ext uri="{FF2B5EF4-FFF2-40B4-BE49-F238E27FC236}">
+                  <a16:creationId xmlns:a16="http://schemas.microsoft.com/office/drawing/2014/main" id="{6F824C7C-2791-41E9-03AA-05AB8184FE3E}"/>
+                </a:ext>
+              </a:extLst>
+            </p:cNvPr>
+            <p:cNvSpPr/>
+            <p:nvPr/>
+          </p:nvSpPr>
+          <p:spPr>
+            <a:xfrm>
+              <a:off x="7465803" y="2777570"/>
+              <a:ext cx="84604" cy="85725"/>
+            </a:xfrm>
+            <a:prstGeom prst="rect">
+              <a:avLst/>
+            </a:prstGeom>
+            <a:solidFill>
+              <a:schemeClr val="bg1"/>
+            </a:solidFill>
+            <a:ln>
+              <a:solidFill>
+                <a:schemeClr val="bg1"/>
+              </a:solidFill>
+            </a:ln>
+          </p:spPr>
+          <p:style>
+            <a:lnRef idx="2">
+              <a:schemeClr val="accent1">
+                <a:shade val="15000"/>
+              </a:schemeClr>
+            </a:lnRef>
+            <a:fillRef idx="1">
+              <a:schemeClr val="accent1"/>
+            </a:fillRef>
+            <a:effectRef idx="0">
+              <a:schemeClr val="accent1"/>
+            </a:effectRef>
+            <a:fontRef idx="minor">
+              <a:schemeClr val="lt1"/>
+            </a:fontRef>
+          </p:style>
+          <p:txBody>
+            <a:bodyPr rtlCol="0" anchor="ctr"/>
+            <a:lstStyle/>
+            <a:p>
+              <a:pPr algn="ctr"/>
+              <a:endParaRPr lang="en-US"/>
+            </a:p>
+          </p:txBody>
+        </p:sp>
+        <p:sp>
+          <p:nvSpPr>
+            <p:cNvPr id="149" name="TextBox 148">
+              <a:extLst>
+                <a:ext uri="{FF2B5EF4-FFF2-40B4-BE49-F238E27FC236}">
+                  <a16:creationId xmlns:a16="http://schemas.microsoft.com/office/drawing/2014/main" id="{1267662E-9B45-8586-966E-09AFAFBF6073}"/>
+                </a:ext>
+              </a:extLst>
+            </p:cNvPr>
+            <p:cNvSpPr txBox="1"/>
+            <p:nvPr/>
+          </p:nvSpPr>
+          <p:spPr>
+            <a:xfrm>
+              <a:off x="7372505" y="2707322"/>
+              <a:ext cx="303314" cy="200055"/>
+            </a:xfrm>
+            <a:prstGeom prst="rect">
+              <a:avLst/>
+            </a:prstGeom>
+            <a:noFill/>
+          </p:spPr>
+          <p:txBody>
+            <a:bodyPr wrap="square" rtlCol="0">
+              <a:spAutoFit/>
+            </a:bodyPr>
+            <a:lstStyle/>
+            <a:p>
+              <a:r>
+                <a:rPr lang="en-US" sz="700" dirty="0">
+                  <a:solidFill>
+                    <a:srgbClr val="525252"/>
+                  </a:solidFill>
+                  <a:latin typeface="Arial" panose="020B0604020202020204" pitchFamily="34" charset="0"/>
+                  <a:cs typeface="Arial" panose="020B0604020202020204" pitchFamily="34" charset="0"/>
+                </a:rPr>
+                <a:t>r</a:t>
+              </a:r>
+              <a:r>
+                <a:rPr lang="en-US" sz="100" dirty="0">
+                  <a:solidFill>
+                    <a:srgbClr val="525252"/>
+                  </a:solidFill>
+                  <a:latin typeface="Arial" panose="020B0604020202020204" pitchFamily="34" charset="0"/>
+                  <a:cs typeface="Arial" panose="020B0604020202020204" pitchFamily="34" charset="0"/>
+                </a:rPr>
+                <a:t> </a:t>
+              </a:r>
+              <a:r>
+                <a:rPr lang="en-US" sz="700" dirty="0">
+                  <a:solidFill>
+                    <a:srgbClr val="525252"/>
+                  </a:solidFill>
+                  <a:latin typeface="Arial" panose="020B0604020202020204" pitchFamily="34" charset="0"/>
+                  <a:cs typeface="Arial" panose="020B0604020202020204" pitchFamily="34" charset="0"/>
+                </a:rPr>
+                <a:t>k</a:t>
+              </a:r>
+            </a:p>
+          </p:txBody>
+        </p:sp>
+      </p:grpSp>
+      <p:grpSp>
+        <p:nvGrpSpPr>
+          <p:cNvPr id="150" name="Group 149">
+            <a:extLst>
+              <a:ext uri="{FF2B5EF4-FFF2-40B4-BE49-F238E27FC236}">
+                <a16:creationId xmlns:a16="http://schemas.microsoft.com/office/drawing/2014/main" id="{002A858F-8DC3-CF2C-123C-2896CF070FD5}"/>
+              </a:ext>
+            </a:extLst>
+          </p:cNvPr>
+          <p:cNvGrpSpPr/>
+          <p:nvPr/>
+        </p:nvGrpSpPr>
+        <p:grpSpPr>
+          <a:xfrm>
+            <a:off x="2327800" y="3542527"/>
+            <a:ext cx="303314" cy="200055"/>
+            <a:chOff x="7372505" y="2707322"/>
+            <a:chExt cx="303314" cy="200055"/>
+          </a:xfrm>
+        </p:grpSpPr>
+        <p:sp>
+          <p:nvSpPr>
+            <p:cNvPr id="151" name="Rectangle 150">
+              <a:extLst>
+                <a:ext uri="{FF2B5EF4-FFF2-40B4-BE49-F238E27FC236}">
+                  <a16:creationId xmlns:a16="http://schemas.microsoft.com/office/drawing/2014/main" id="{A051F948-94E7-EB87-7BD9-C8CCED4109F3}"/>
+                </a:ext>
+              </a:extLst>
+            </p:cNvPr>
+            <p:cNvSpPr/>
+            <p:nvPr/>
+          </p:nvSpPr>
+          <p:spPr>
+            <a:xfrm>
+              <a:off x="7465803" y="2777570"/>
+              <a:ext cx="84604" cy="85725"/>
+            </a:xfrm>
+            <a:prstGeom prst="rect">
+              <a:avLst/>
+            </a:prstGeom>
+            <a:solidFill>
+              <a:schemeClr val="bg1"/>
+            </a:solidFill>
+            <a:ln>
+              <a:solidFill>
+                <a:schemeClr val="bg1"/>
+              </a:solidFill>
+            </a:ln>
+          </p:spPr>
+          <p:style>
+            <a:lnRef idx="2">
+              <a:schemeClr val="accent1">
+                <a:shade val="15000"/>
+              </a:schemeClr>
+            </a:lnRef>
+            <a:fillRef idx="1">
+              <a:schemeClr val="accent1"/>
+            </a:fillRef>
+            <a:effectRef idx="0">
+              <a:schemeClr val="accent1"/>
+            </a:effectRef>
+            <a:fontRef idx="minor">
+              <a:schemeClr val="lt1"/>
+            </a:fontRef>
+          </p:style>
+          <p:txBody>
+            <a:bodyPr rtlCol="0" anchor="ctr"/>
+            <a:lstStyle/>
+            <a:p>
+              <a:pPr algn="ctr"/>
+              <a:endParaRPr lang="en-US"/>
+            </a:p>
+          </p:txBody>
+        </p:sp>
+        <p:sp>
+          <p:nvSpPr>
+            <p:cNvPr id="152" name="TextBox 151">
+              <a:extLst>
+                <a:ext uri="{FF2B5EF4-FFF2-40B4-BE49-F238E27FC236}">
+                  <a16:creationId xmlns:a16="http://schemas.microsoft.com/office/drawing/2014/main" id="{D47504E6-10BA-2370-2656-59FA382A12A1}"/>
+                </a:ext>
+              </a:extLst>
+            </p:cNvPr>
+            <p:cNvSpPr txBox="1"/>
+            <p:nvPr/>
+          </p:nvSpPr>
+          <p:spPr>
+            <a:xfrm>
+              <a:off x="7372505" y="2707322"/>
+              <a:ext cx="303314" cy="200055"/>
+            </a:xfrm>
+            <a:prstGeom prst="rect">
+              <a:avLst/>
+            </a:prstGeom>
+            <a:noFill/>
+          </p:spPr>
+          <p:txBody>
+            <a:bodyPr wrap="square" rtlCol="0">
+              <a:spAutoFit/>
+            </a:bodyPr>
+            <a:lstStyle/>
+            <a:p>
+              <a:r>
+                <a:rPr lang="en-US" sz="700" dirty="0">
+                  <a:solidFill>
+                    <a:srgbClr val="525252"/>
+                  </a:solidFill>
+                  <a:latin typeface="Arial" panose="020B0604020202020204" pitchFamily="34" charset="0"/>
+                  <a:cs typeface="Arial" panose="020B0604020202020204" pitchFamily="34" charset="0"/>
+                </a:rPr>
+                <a:t>r</a:t>
+              </a:r>
+              <a:r>
+                <a:rPr lang="en-US" sz="100" dirty="0">
+                  <a:solidFill>
+                    <a:srgbClr val="525252"/>
+                  </a:solidFill>
+                  <a:latin typeface="Arial" panose="020B0604020202020204" pitchFamily="34" charset="0"/>
+                  <a:cs typeface="Arial" panose="020B0604020202020204" pitchFamily="34" charset="0"/>
+                </a:rPr>
+                <a:t> </a:t>
+              </a:r>
+              <a:r>
+                <a:rPr lang="en-US" sz="700" dirty="0">
+                  <a:solidFill>
+                    <a:srgbClr val="525252"/>
+                  </a:solidFill>
+                  <a:latin typeface="Arial" panose="020B0604020202020204" pitchFamily="34" charset="0"/>
+                  <a:cs typeface="Arial" panose="020B0604020202020204" pitchFamily="34" charset="0"/>
+                </a:rPr>
+                <a:t>k</a:t>
+              </a:r>
+            </a:p>
+          </p:txBody>
+        </p:sp>
+      </p:grpSp>
+      <p:grpSp>
+        <p:nvGrpSpPr>
+          <p:cNvPr id="153" name="Group 152">
+            <a:extLst>
+              <a:ext uri="{FF2B5EF4-FFF2-40B4-BE49-F238E27FC236}">
+                <a16:creationId xmlns:a16="http://schemas.microsoft.com/office/drawing/2014/main" id="{F0CDED41-28E0-A911-87B5-402E56E8A2EA}"/>
+              </a:ext>
+            </a:extLst>
+          </p:cNvPr>
+          <p:cNvGrpSpPr/>
+          <p:nvPr/>
+        </p:nvGrpSpPr>
+        <p:grpSpPr>
+          <a:xfrm>
+            <a:off x="2476901" y="3567927"/>
+            <a:ext cx="303314" cy="200055"/>
+            <a:chOff x="7372505" y="2707322"/>
+            <a:chExt cx="303314" cy="200055"/>
+          </a:xfrm>
+        </p:grpSpPr>
+        <p:sp>
+          <p:nvSpPr>
+            <p:cNvPr id="154" name="Rectangle 153">
+              <a:extLst>
+                <a:ext uri="{FF2B5EF4-FFF2-40B4-BE49-F238E27FC236}">
+                  <a16:creationId xmlns:a16="http://schemas.microsoft.com/office/drawing/2014/main" id="{9CB42756-CAD6-4B2E-4FDD-5F70526CF9FD}"/>
+                </a:ext>
+              </a:extLst>
+            </p:cNvPr>
+            <p:cNvSpPr/>
+            <p:nvPr/>
+          </p:nvSpPr>
+          <p:spPr>
+            <a:xfrm>
+              <a:off x="7465803" y="2777570"/>
+              <a:ext cx="84604" cy="85725"/>
+            </a:xfrm>
+            <a:prstGeom prst="rect">
+              <a:avLst/>
+            </a:prstGeom>
+            <a:solidFill>
+              <a:schemeClr val="bg1"/>
+            </a:solidFill>
+            <a:ln>
+              <a:solidFill>
+                <a:schemeClr val="bg1"/>
+              </a:solidFill>
+            </a:ln>
+          </p:spPr>
+          <p:style>
+            <a:lnRef idx="2">
+              <a:schemeClr val="accent1">
+                <a:shade val="15000"/>
+              </a:schemeClr>
+            </a:lnRef>
+            <a:fillRef idx="1">
+              <a:schemeClr val="accent1"/>
+            </a:fillRef>
+            <a:effectRef idx="0">
+              <a:schemeClr val="accent1"/>
+            </a:effectRef>
+            <a:fontRef idx="minor">
+              <a:schemeClr val="lt1"/>
+            </a:fontRef>
+          </p:style>
+          <p:txBody>
+            <a:bodyPr rtlCol="0" anchor="ctr"/>
+            <a:lstStyle/>
+            <a:p>
+              <a:pPr algn="ctr"/>
+              <a:endParaRPr lang="en-US"/>
+            </a:p>
+          </p:txBody>
+        </p:sp>
+        <p:sp>
+          <p:nvSpPr>
+            <p:cNvPr id="155" name="TextBox 154">
+              <a:extLst>
+                <a:ext uri="{FF2B5EF4-FFF2-40B4-BE49-F238E27FC236}">
+                  <a16:creationId xmlns:a16="http://schemas.microsoft.com/office/drawing/2014/main" id="{4640D69A-4CC3-D81D-8C47-A0E73EDD72A0}"/>
+                </a:ext>
+              </a:extLst>
+            </p:cNvPr>
+            <p:cNvSpPr txBox="1"/>
+            <p:nvPr/>
+          </p:nvSpPr>
+          <p:spPr>
+            <a:xfrm>
+              <a:off x="7372505" y="2707322"/>
+              <a:ext cx="303314" cy="200055"/>
+            </a:xfrm>
+            <a:prstGeom prst="rect">
+              <a:avLst/>
+            </a:prstGeom>
+            <a:noFill/>
+          </p:spPr>
+          <p:txBody>
+            <a:bodyPr wrap="square" rtlCol="0">
+              <a:spAutoFit/>
+            </a:bodyPr>
+            <a:lstStyle/>
+            <a:p>
+              <a:r>
+                <a:rPr lang="en-US" sz="700" dirty="0">
+                  <a:solidFill>
+                    <a:srgbClr val="525252"/>
+                  </a:solidFill>
+                  <a:latin typeface="Arial" panose="020B0604020202020204" pitchFamily="34" charset="0"/>
+                  <a:cs typeface="Arial" panose="020B0604020202020204" pitchFamily="34" charset="0"/>
+                </a:rPr>
+                <a:t>r</a:t>
+              </a:r>
+              <a:r>
+                <a:rPr lang="en-US" sz="100" dirty="0">
+                  <a:solidFill>
+                    <a:srgbClr val="525252"/>
+                  </a:solidFill>
+                  <a:latin typeface="Arial" panose="020B0604020202020204" pitchFamily="34" charset="0"/>
+                  <a:cs typeface="Arial" panose="020B0604020202020204" pitchFamily="34" charset="0"/>
+                </a:rPr>
+                <a:t> </a:t>
+              </a:r>
+              <a:r>
+                <a:rPr lang="en-US" sz="700" dirty="0">
+                  <a:solidFill>
+                    <a:srgbClr val="525252"/>
+                  </a:solidFill>
+                  <a:latin typeface="Arial" panose="020B0604020202020204" pitchFamily="34" charset="0"/>
+                  <a:cs typeface="Arial" panose="020B0604020202020204" pitchFamily="34" charset="0"/>
+                </a:rPr>
+                <a:t>k</a:t>
+              </a:r>
+            </a:p>
+          </p:txBody>
+        </p:sp>
+      </p:grpSp>
+      <p:sp>
+        <p:nvSpPr>
+          <p:cNvPr id="158" name="Rectangle 157">
+            <a:extLst>
+              <a:ext uri="{FF2B5EF4-FFF2-40B4-BE49-F238E27FC236}">
+                <a16:creationId xmlns:a16="http://schemas.microsoft.com/office/drawing/2014/main" id="{CF6DC2A7-BE2C-3DE5-C99E-38202455114B}"/>
+              </a:ext>
+            </a:extLst>
+          </p:cNvPr>
+          <p:cNvSpPr/>
+          <p:nvPr/>
+        </p:nvSpPr>
+        <p:spPr>
+          <a:xfrm>
+            <a:off x="10335683" y="4607983"/>
+            <a:ext cx="563034" cy="376767"/>
+          </a:xfrm>
+          <a:prstGeom prst="rect">
+            <a:avLst/>
+          </a:prstGeom>
+          <a:solidFill>
+            <a:schemeClr val="bg1"/>
+          </a:solidFill>
+          <a:ln>
+            <a:solidFill>
+              <a:schemeClr val="bg1"/>
+            </a:solidFill>
+          </a:ln>
+        </p:spPr>
+        <p:style>
+          <a:lnRef idx="2">
+            <a:schemeClr val="accent1">
+              <a:shade val="15000"/>
+            </a:schemeClr>
+          </a:lnRef>
+          <a:fillRef idx="1">
+            <a:schemeClr val="accent1"/>
+          </a:fillRef>
+          <a:effectRef idx="0">
+            <a:schemeClr val="accent1"/>
+          </a:effectRef>
+          <a:fontRef idx="minor">
+            <a:schemeClr val="lt1"/>
+          </a:fontRef>
+        </p:style>
+        <p:txBody>
+          <a:bodyPr rtlCol="0" anchor="ctr"/>
+          <a:lstStyle/>
+          <a:p>
+            <a:pPr algn="ctr"/>
+            <a:endParaRPr lang="en-US">
+              <a:latin typeface="Arial" panose="020B0604020202020204" pitchFamily="34" charset="0"/>
+              <a:cs typeface="Arial" panose="020B0604020202020204" pitchFamily="34" charset="0"/>
+            </a:endParaRPr>
+          </a:p>
+        </p:txBody>
+      </p:sp>
+      <p:sp>
+        <p:nvSpPr>
+          <p:cNvPr id="157" name="TextBox 156">
+            <a:extLst>
+              <a:ext uri="{FF2B5EF4-FFF2-40B4-BE49-F238E27FC236}">
+                <a16:creationId xmlns:a16="http://schemas.microsoft.com/office/drawing/2014/main" id="{987F60A5-036E-EA08-76CF-A9C4D325E485}"/>
+              </a:ext>
+            </a:extLst>
+          </p:cNvPr>
+          <p:cNvSpPr txBox="1"/>
+          <p:nvPr/>
+        </p:nvSpPr>
+        <p:spPr>
+          <a:xfrm>
+            <a:off x="10257022" y="4558082"/>
+            <a:ext cx="583814" cy="200055"/>
+          </a:xfrm>
+          <a:prstGeom prst="rect">
+            <a:avLst/>
+          </a:prstGeom>
+          <a:noFill/>
+        </p:spPr>
+        <p:txBody>
+          <a:bodyPr wrap="none" rtlCol="0">
+            <a:spAutoFit/>
+          </a:bodyPr>
+          <a:lstStyle/>
+          <a:p>
+            <a:r>
+              <a:rPr lang="en-US" sz="700" i="1" dirty="0">
+                <a:solidFill>
+                  <a:srgbClr val="333333"/>
+                </a:solidFill>
+                <a:latin typeface="Arial" panose="020B0604020202020204" pitchFamily="34" charset="0"/>
+                <a:cs typeface="Arial" panose="020B0604020202020204" pitchFamily="34" charset="0"/>
+              </a:rPr>
+              <a:t>A. aegypti</a:t>
+            </a:r>
+          </a:p>
+        </p:txBody>
+      </p:sp>
+      <p:sp>
+        <p:nvSpPr>
+          <p:cNvPr id="159" name="TextBox 158">
+            <a:extLst>
+              <a:ext uri="{FF2B5EF4-FFF2-40B4-BE49-F238E27FC236}">
+                <a16:creationId xmlns:a16="http://schemas.microsoft.com/office/drawing/2014/main" id="{E764A2FC-7AB0-6B39-EC8F-5E8D48980EE6}"/>
+              </a:ext>
+            </a:extLst>
+          </p:cNvPr>
+          <p:cNvSpPr txBox="1"/>
+          <p:nvPr/>
+        </p:nvSpPr>
+        <p:spPr>
+          <a:xfrm>
+            <a:off x="10250672" y="4689317"/>
+            <a:ext cx="588623" cy="200055"/>
+          </a:xfrm>
+          <a:prstGeom prst="rect">
+            <a:avLst/>
+          </a:prstGeom>
+          <a:noFill/>
+        </p:spPr>
+        <p:txBody>
+          <a:bodyPr wrap="none" rtlCol="0">
+            <a:spAutoFit/>
+          </a:bodyPr>
+          <a:lstStyle/>
+          <a:p>
+            <a:r>
+              <a:rPr lang="en-US" sz="700" i="1" dirty="0">
+                <a:solidFill>
+                  <a:srgbClr val="333333"/>
+                </a:solidFill>
+                <a:latin typeface="Arial" panose="020B0604020202020204" pitchFamily="34" charset="0"/>
+                <a:cs typeface="Arial" panose="020B0604020202020204" pitchFamily="34" charset="0"/>
+              </a:rPr>
+              <a:t>C. griseus</a:t>
+            </a:r>
+          </a:p>
+        </p:txBody>
+      </p:sp>
+      <p:sp>
+        <p:nvSpPr>
+          <p:cNvPr id="160" name="TextBox 159">
+            <a:extLst>
+              <a:ext uri="{FF2B5EF4-FFF2-40B4-BE49-F238E27FC236}">
+                <a16:creationId xmlns:a16="http://schemas.microsoft.com/office/drawing/2014/main" id="{E0F310F3-56AE-AB99-F308-8211B594A517}"/>
+              </a:ext>
+            </a:extLst>
+          </p:cNvPr>
+          <p:cNvSpPr txBox="1"/>
+          <p:nvPr/>
+        </p:nvSpPr>
+        <p:spPr>
+          <a:xfrm>
+            <a:off x="10257023" y="4820551"/>
+            <a:ext cx="700833" cy="200055"/>
+          </a:xfrm>
+          <a:prstGeom prst="rect">
+            <a:avLst/>
+          </a:prstGeom>
+          <a:noFill/>
+        </p:spPr>
+        <p:txBody>
+          <a:bodyPr wrap="none" rtlCol="0">
+            <a:spAutoFit/>
+          </a:bodyPr>
+          <a:lstStyle/>
+          <a:p>
+            <a:r>
+              <a:rPr lang="en-US" sz="700" i="1" dirty="0">
+                <a:solidFill>
+                  <a:srgbClr val="333333"/>
+                </a:solidFill>
+                <a:latin typeface="Arial" panose="020B0604020202020204" pitchFamily="34" charset="0"/>
+                <a:cs typeface="Arial" panose="020B0604020202020204" pitchFamily="34" charset="0"/>
+              </a:rPr>
+              <a:t>E. siliculosus</a:t>
+            </a:r>
+          </a:p>
+        </p:txBody>
+      </p:sp>
+      <p:sp>
+        <p:nvSpPr>
+          <p:cNvPr id="161" name="Rectangle 160">
+            <a:extLst>
+              <a:ext uri="{FF2B5EF4-FFF2-40B4-BE49-F238E27FC236}">
+                <a16:creationId xmlns:a16="http://schemas.microsoft.com/office/drawing/2014/main" id="{93CC0BAC-B2B5-DC7B-D802-C729BD7F4D1D}"/>
+              </a:ext>
+            </a:extLst>
+          </p:cNvPr>
+          <p:cNvSpPr/>
+          <p:nvPr/>
+        </p:nvSpPr>
+        <p:spPr>
+          <a:xfrm>
+            <a:off x="10295981" y="3413125"/>
+            <a:ext cx="346619" cy="114300"/>
+          </a:xfrm>
+          <a:prstGeom prst="rect">
+            <a:avLst/>
+          </a:prstGeom>
+          <a:solidFill>
+            <a:schemeClr val="bg1"/>
+          </a:solidFill>
+          <a:ln>
+            <a:solidFill>
+              <a:schemeClr val="bg1"/>
+            </a:solidFill>
+          </a:ln>
+        </p:spPr>
+        <p:style>
+          <a:lnRef idx="2">
+            <a:schemeClr val="accent1">
+              <a:shade val="15000"/>
+            </a:schemeClr>
+          </a:lnRef>
+          <a:fillRef idx="1">
+            <a:schemeClr val="accent1"/>
+          </a:fillRef>
+          <a:effectRef idx="0">
+            <a:schemeClr val="accent1"/>
+          </a:effectRef>
+          <a:fontRef idx="minor">
+            <a:schemeClr val="lt1"/>
+          </a:fontRef>
+        </p:style>
+        <p:txBody>
+          <a:bodyPr rtlCol="0" anchor="ctr"/>
+          <a:lstStyle/>
+          <a:p>
+            <a:pPr algn="ctr"/>
+            <a:endParaRPr lang="en-US">
+              <a:latin typeface="Arial" panose="020B0604020202020204" pitchFamily="34" charset="0"/>
+              <a:cs typeface="Arial" panose="020B0604020202020204" pitchFamily="34" charset="0"/>
+            </a:endParaRPr>
+          </a:p>
+        </p:txBody>
+      </p:sp>
+      <p:sp>
+        <p:nvSpPr>
+          <p:cNvPr id="162" name="TextBox 161">
+            <a:extLst>
+              <a:ext uri="{FF2B5EF4-FFF2-40B4-BE49-F238E27FC236}">
+                <a16:creationId xmlns:a16="http://schemas.microsoft.com/office/drawing/2014/main" id="{DF6BACCB-E516-C216-463D-65A9A66DE11F}"/>
+              </a:ext>
+            </a:extLst>
+          </p:cNvPr>
+          <p:cNvSpPr txBox="1"/>
+          <p:nvPr/>
+        </p:nvSpPr>
+        <p:spPr>
+          <a:xfrm>
+            <a:off x="10269722" y="3384391"/>
+            <a:ext cx="567784" cy="200055"/>
+          </a:xfrm>
+          <a:prstGeom prst="rect">
+            <a:avLst/>
+          </a:prstGeom>
+          <a:noFill/>
+        </p:spPr>
+        <p:txBody>
+          <a:bodyPr wrap="none" rtlCol="0">
+            <a:spAutoFit/>
+          </a:bodyPr>
+          <a:lstStyle/>
+          <a:p>
+            <a:r>
+              <a:rPr lang="en-US" sz="700" dirty="0">
+                <a:solidFill>
+                  <a:srgbClr val="333333"/>
+                </a:solidFill>
+                <a:latin typeface="Arial" panose="020B0604020202020204" pitchFamily="34" charset="0"/>
+                <a:cs typeface="Arial" panose="020B0604020202020204" pitchFamily="34" charset="0"/>
+              </a:rPr>
+              <a:t>Database</a:t>
+            </a:r>
+          </a:p>
+        </p:txBody>
+      </p:sp>
+      <p:sp>
+        <p:nvSpPr>
+          <p:cNvPr id="164" name="Rectangle 163">
+            <a:extLst>
+              <a:ext uri="{FF2B5EF4-FFF2-40B4-BE49-F238E27FC236}">
+                <a16:creationId xmlns:a16="http://schemas.microsoft.com/office/drawing/2014/main" id="{32FC86F7-CED4-EA23-BAB1-E2448FE9767D}"/>
+              </a:ext>
+            </a:extLst>
+          </p:cNvPr>
+          <p:cNvSpPr/>
+          <p:nvPr/>
+        </p:nvSpPr>
+        <p:spPr>
+          <a:xfrm>
+            <a:off x="10331450" y="3565525"/>
+            <a:ext cx="777875" cy="876300"/>
+          </a:xfrm>
+          <a:prstGeom prst="rect">
+            <a:avLst/>
+          </a:prstGeom>
+          <a:solidFill>
+            <a:schemeClr val="bg1"/>
+          </a:solidFill>
+          <a:ln>
+            <a:solidFill>
+              <a:schemeClr val="bg1"/>
+            </a:solidFill>
+          </a:ln>
+        </p:spPr>
+        <p:style>
+          <a:lnRef idx="2">
+            <a:schemeClr val="accent1">
+              <a:shade val="15000"/>
+            </a:schemeClr>
+          </a:lnRef>
+          <a:fillRef idx="1">
+            <a:schemeClr val="accent1"/>
+          </a:fillRef>
+          <a:effectRef idx="0">
+            <a:schemeClr val="accent1"/>
+          </a:effectRef>
+          <a:fontRef idx="minor">
+            <a:schemeClr val="lt1"/>
+          </a:fontRef>
+        </p:style>
+        <p:txBody>
+          <a:bodyPr rtlCol="0" anchor="ctr"/>
+          <a:lstStyle/>
+          <a:p>
+            <a:pPr algn="ctr"/>
+            <a:endParaRPr lang="en-US">
+              <a:latin typeface="Arial" panose="020B0604020202020204" pitchFamily="34" charset="0"/>
+              <a:cs typeface="Arial" panose="020B0604020202020204" pitchFamily="34" charset="0"/>
+            </a:endParaRPr>
+          </a:p>
+        </p:txBody>
+      </p:sp>
+      <p:sp>
+        <p:nvSpPr>
+          <p:cNvPr id="163" name="TextBox 162">
+            <a:extLst>
+              <a:ext uri="{FF2B5EF4-FFF2-40B4-BE49-F238E27FC236}">
+                <a16:creationId xmlns:a16="http://schemas.microsoft.com/office/drawing/2014/main" id="{0E3ABE63-39D7-29A4-A347-AB6AFD4FD029}"/>
+              </a:ext>
+            </a:extLst>
+          </p:cNvPr>
+          <p:cNvSpPr txBox="1"/>
+          <p:nvPr/>
+        </p:nvSpPr>
+        <p:spPr>
+          <a:xfrm>
+            <a:off x="10269722" y="3500807"/>
+            <a:ext cx="930063" cy="1000274"/>
+          </a:xfrm>
+          <a:prstGeom prst="rect">
+            <a:avLst/>
+          </a:prstGeom>
+          <a:noFill/>
+        </p:spPr>
+        <p:txBody>
+          <a:bodyPr wrap="none" rtlCol="0">
+            <a:spAutoFit/>
+          </a:bodyPr>
+          <a:lstStyle/>
+          <a:p>
+            <a:pPr>
+              <a:spcAft>
+                <a:spcPts val="160"/>
+              </a:spcAft>
+            </a:pPr>
+            <a:r>
+              <a:rPr lang="en-US" sz="700" dirty="0">
+                <a:solidFill>
+                  <a:srgbClr val="333333"/>
+                </a:solidFill>
+                <a:latin typeface="Arial" panose="020B0604020202020204" pitchFamily="34" charset="0"/>
+                <a:cs typeface="Arial" panose="020B0604020202020204" pitchFamily="34" charset="0"/>
+              </a:rPr>
+              <a:t>metacyc-keg</a:t>
+            </a:r>
+          </a:p>
+          <a:p>
+            <a:pPr>
+              <a:spcAft>
+                <a:spcPts val="160"/>
+              </a:spcAft>
+            </a:pPr>
+            <a:r>
+              <a:rPr lang="en-US" sz="700" dirty="0">
+                <a:solidFill>
+                  <a:srgbClr val="333333"/>
+                </a:solidFill>
+                <a:latin typeface="Arial" panose="020B0604020202020204" pitchFamily="34" charset="0"/>
+                <a:cs typeface="Arial" panose="020B0604020202020204" pitchFamily="34" charset="0"/>
+              </a:rPr>
+              <a:t>metacyc-reference</a:t>
+            </a:r>
+          </a:p>
+          <a:p>
+            <a:pPr>
+              <a:spcAft>
+                <a:spcPts val="160"/>
+              </a:spcAft>
+            </a:pPr>
+            <a:r>
+              <a:rPr lang="en-US" sz="700" dirty="0">
+                <a:solidFill>
+                  <a:srgbClr val="333333"/>
+                </a:solidFill>
+                <a:latin typeface="Arial" panose="020B0604020202020204" pitchFamily="34" charset="0"/>
+                <a:cs typeface="Arial" panose="020B0604020202020204" pitchFamily="34" charset="0"/>
+              </a:rPr>
+              <a:t>metacyc</a:t>
+            </a:r>
+          </a:p>
+          <a:p>
+            <a:pPr>
+              <a:spcAft>
+                <a:spcPts val="160"/>
+              </a:spcAft>
+            </a:pPr>
+            <a:r>
+              <a:rPr lang="en-US" sz="700" dirty="0">
+                <a:solidFill>
+                  <a:srgbClr val="333333"/>
+                </a:solidFill>
+                <a:latin typeface="Arial" panose="020B0604020202020204" pitchFamily="34" charset="0"/>
+                <a:cs typeface="Arial" panose="020B0604020202020204" pitchFamily="34" charset="0"/>
+              </a:rPr>
+              <a:t>bigg</a:t>
+            </a:r>
+          </a:p>
+          <a:p>
+            <a:pPr>
+              <a:spcAft>
+                <a:spcPts val="160"/>
+              </a:spcAft>
+            </a:pPr>
+            <a:r>
+              <a:rPr lang="en-US" sz="700" dirty="0">
+                <a:solidFill>
+                  <a:srgbClr val="333333"/>
+                </a:solidFill>
+                <a:latin typeface="Arial" panose="020B0604020202020204" pitchFamily="34" charset="0"/>
+                <a:cs typeface="Arial" panose="020B0604020202020204" pitchFamily="34" charset="0"/>
+              </a:rPr>
+              <a:t>kegg</a:t>
+            </a:r>
+          </a:p>
+          <a:p>
+            <a:pPr>
+              <a:spcAft>
+                <a:spcPts val="160"/>
+              </a:spcAft>
+            </a:pPr>
+            <a:r>
+              <a:rPr lang="en-US" sz="700" dirty="0">
+                <a:solidFill>
+                  <a:srgbClr val="333333"/>
+                </a:solidFill>
+                <a:latin typeface="Arial" panose="020B0604020202020204" pitchFamily="34" charset="0"/>
+                <a:cs typeface="Arial" panose="020B0604020202020204" pitchFamily="34" charset="0"/>
+              </a:rPr>
+              <a:t>modelseed</a:t>
+            </a:r>
+          </a:p>
+          <a:p>
+            <a:pPr>
+              <a:spcAft>
+                <a:spcPts val="160"/>
+              </a:spcAft>
+            </a:pPr>
+            <a:r>
+              <a:rPr lang="en-US" sz="700" dirty="0">
+                <a:solidFill>
+                  <a:srgbClr val="333333"/>
+                </a:solidFill>
+                <a:latin typeface="Arial" panose="020B0604020202020204" pitchFamily="34" charset="0"/>
+                <a:cs typeface="Arial" panose="020B0604020202020204" pitchFamily="34" charset="0"/>
+              </a:rPr>
+              <a:t>reference</a:t>
+            </a:r>
+          </a:p>
+        </p:txBody>
+      </p:sp>
+      <p:sp>
+        <p:nvSpPr>
+          <p:cNvPr id="166" name="Rectangle 165">
+            <a:extLst>
+              <a:ext uri="{FF2B5EF4-FFF2-40B4-BE49-F238E27FC236}">
+                <a16:creationId xmlns:a16="http://schemas.microsoft.com/office/drawing/2014/main" id="{B7867411-2EC7-9570-6A9D-36616E36E06A}"/>
+              </a:ext>
+            </a:extLst>
+          </p:cNvPr>
+          <p:cNvSpPr/>
+          <p:nvPr/>
+        </p:nvSpPr>
+        <p:spPr>
+          <a:xfrm>
+            <a:off x="10328275" y="4470400"/>
+            <a:ext cx="425450" cy="123825"/>
+          </a:xfrm>
+          <a:prstGeom prst="rect">
+            <a:avLst/>
+          </a:prstGeom>
+          <a:solidFill>
+            <a:schemeClr val="bg1"/>
+          </a:solidFill>
+          <a:ln>
+            <a:solidFill>
+              <a:schemeClr val="bg1"/>
+            </a:solidFill>
+          </a:ln>
+        </p:spPr>
+        <p:style>
+          <a:lnRef idx="2">
+            <a:schemeClr val="accent1">
+              <a:shade val="15000"/>
+            </a:schemeClr>
+          </a:lnRef>
+          <a:fillRef idx="1">
+            <a:schemeClr val="accent1"/>
+          </a:fillRef>
+          <a:effectRef idx="0">
+            <a:schemeClr val="accent1"/>
+          </a:effectRef>
+          <a:fontRef idx="minor">
+            <a:schemeClr val="lt1"/>
+          </a:fontRef>
+        </p:style>
+        <p:txBody>
+          <a:bodyPr rtlCol="0" anchor="ctr"/>
+          <a:lstStyle/>
+          <a:p>
+            <a:pPr algn="ctr"/>
+            <a:endParaRPr lang="en-US">
+              <a:latin typeface="Arial" panose="020B0604020202020204" pitchFamily="34" charset="0"/>
+              <a:cs typeface="Arial" panose="020B0604020202020204" pitchFamily="34" charset="0"/>
+            </a:endParaRPr>
+          </a:p>
+        </p:txBody>
+      </p:sp>
+      <p:sp>
+        <p:nvSpPr>
+          <p:cNvPr id="165" name="TextBox 164">
+            <a:extLst>
+              <a:ext uri="{FF2B5EF4-FFF2-40B4-BE49-F238E27FC236}">
+                <a16:creationId xmlns:a16="http://schemas.microsoft.com/office/drawing/2014/main" id="{09386EBC-9D26-2CBF-BEF6-8DDCD47E9042}"/>
+              </a:ext>
+            </a:extLst>
+          </p:cNvPr>
+          <p:cNvSpPr txBox="1"/>
+          <p:nvPr/>
+        </p:nvSpPr>
+        <p:spPr>
+          <a:xfrm>
+            <a:off x="10260197" y="4435972"/>
+            <a:ext cx="574196" cy="200055"/>
+          </a:xfrm>
+          <a:prstGeom prst="rect">
+            <a:avLst/>
+          </a:prstGeom>
+          <a:noFill/>
+        </p:spPr>
+        <p:txBody>
+          <a:bodyPr wrap="none" rtlCol="0">
+            <a:spAutoFit/>
+          </a:bodyPr>
+          <a:lstStyle/>
+          <a:p>
+            <a:r>
+              <a:rPr lang="en-US" sz="700" dirty="0">
+                <a:solidFill>
+                  <a:srgbClr val="333333"/>
+                </a:solidFill>
+                <a:latin typeface="Arial" panose="020B0604020202020204" pitchFamily="34" charset="0"/>
+                <a:cs typeface="Arial" panose="020B0604020202020204" pitchFamily="34" charset="0"/>
+              </a:rPr>
+              <a:t>Organism</a:t>
+            </a:r>
+          </a:p>
+        </p:txBody>
+      </p:sp>
+      <p:sp>
+        <p:nvSpPr>
+          <p:cNvPr id="167" name="TextBox 166">
+            <a:extLst>
+              <a:ext uri="{FF2B5EF4-FFF2-40B4-BE49-F238E27FC236}">
+                <a16:creationId xmlns:a16="http://schemas.microsoft.com/office/drawing/2014/main" id="{06ACBB14-4B44-2383-3E82-8475DCF04DB8}"/>
+              </a:ext>
+            </a:extLst>
+          </p:cNvPr>
+          <p:cNvSpPr txBox="1"/>
+          <p:nvPr/>
+        </p:nvSpPr>
+        <p:spPr>
+          <a:xfrm>
+            <a:off x="528498" y="775730"/>
+            <a:ext cx="364202" cy="307777"/>
+          </a:xfrm>
+          <a:prstGeom prst="rect">
+            <a:avLst/>
+          </a:prstGeom>
+          <a:noFill/>
+        </p:spPr>
+        <p:txBody>
+          <a:bodyPr wrap="none" rtlCol="0">
+            <a:spAutoFit/>
+          </a:bodyPr>
+          <a:lstStyle/>
+          <a:p>
+            <a:r>
+              <a:rPr lang="en-US" sz="1400" b="1" dirty="0">
+                <a:latin typeface="Arial" panose="020B0604020202020204" pitchFamily="34" charset="0"/>
+                <a:cs typeface="Arial" panose="020B0604020202020204" pitchFamily="34" charset="0"/>
+              </a:rPr>
+              <a:t>A.</a:t>
+            </a:r>
+          </a:p>
+        </p:txBody>
+      </p:sp>
+      <p:sp>
+        <p:nvSpPr>
+          <p:cNvPr id="168" name="TextBox 167">
+            <a:extLst>
+              <a:ext uri="{FF2B5EF4-FFF2-40B4-BE49-F238E27FC236}">
+                <a16:creationId xmlns:a16="http://schemas.microsoft.com/office/drawing/2014/main" id="{E1F9216E-757C-A421-33D7-414ECE38891C}"/>
+              </a:ext>
+            </a:extLst>
+          </p:cNvPr>
+          <p:cNvSpPr txBox="1"/>
+          <p:nvPr/>
+        </p:nvSpPr>
+        <p:spPr>
+          <a:xfrm>
+            <a:off x="5196447" y="775730"/>
+            <a:ext cx="364202" cy="307777"/>
+          </a:xfrm>
+          <a:prstGeom prst="rect">
+            <a:avLst/>
+          </a:prstGeom>
+          <a:noFill/>
+        </p:spPr>
+        <p:txBody>
+          <a:bodyPr wrap="none" rtlCol="0">
+            <a:spAutoFit/>
+          </a:bodyPr>
+          <a:lstStyle/>
+          <a:p>
+            <a:r>
+              <a:rPr lang="en-US" sz="1400" b="1" dirty="0">
+                <a:latin typeface="Arial" panose="020B0604020202020204" pitchFamily="34" charset="0"/>
+                <a:cs typeface="Arial" panose="020B0604020202020204" pitchFamily="34" charset="0"/>
+              </a:rPr>
+              <a:t>B.</a:t>
+            </a:r>
+          </a:p>
+        </p:txBody>
+      </p:sp>
+      <p:sp>
+        <p:nvSpPr>
+          <p:cNvPr id="170" name="Rectangle 169">
+            <a:extLst>
+              <a:ext uri="{FF2B5EF4-FFF2-40B4-BE49-F238E27FC236}">
+                <a16:creationId xmlns:a16="http://schemas.microsoft.com/office/drawing/2014/main" id="{90CEF6F9-CEB8-8CA1-E0DD-DBDC4C992DA0}"/>
+              </a:ext>
+            </a:extLst>
+          </p:cNvPr>
+          <p:cNvSpPr/>
+          <p:nvPr/>
+        </p:nvSpPr>
+        <p:spPr>
+          <a:xfrm>
+            <a:off x="10411883" y="3285067"/>
+            <a:ext cx="381000" cy="114300"/>
+          </a:xfrm>
+          <a:prstGeom prst="rect">
+            <a:avLst/>
+          </a:prstGeom>
+          <a:solidFill>
+            <a:schemeClr val="bg1"/>
+          </a:solidFill>
+          <a:ln>
+            <a:solidFill>
+              <a:schemeClr val="bg1"/>
+            </a:solidFill>
+          </a:ln>
+        </p:spPr>
+        <p:style>
+          <a:lnRef idx="2">
+            <a:schemeClr val="accent1">
+              <a:shade val="15000"/>
+            </a:schemeClr>
+          </a:lnRef>
+          <a:fillRef idx="1">
+            <a:schemeClr val="accent1"/>
+          </a:fillRef>
+          <a:effectRef idx="0">
+            <a:schemeClr val="accent1"/>
+          </a:effectRef>
+          <a:fontRef idx="minor">
+            <a:schemeClr val="lt1"/>
+          </a:fontRef>
+        </p:style>
+        <p:txBody>
+          <a:bodyPr rtlCol="0" anchor="ctr"/>
+          <a:lstStyle/>
+          <a:p>
+            <a:pPr algn="ctr"/>
+            <a:endParaRPr lang="en-US">
+              <a:latin typeface="Arial" panose="020B0604020202020204" pitchFamily="34" charset="0"/>
+              <a:cs typeface="Arial" panose="020B0604020202020204" pitchFamily="34" charset="0"/>
+            </a:endParaRPr>
+          </a:p>
+        </p:txBody>
+      </p:sp>
+      <p:sp>
+        <p:nvSpPr>
+          <p:cNvPr id="169" name="TextBox 168">
+            <a:extLst>
+              <a:ext uri="{FF2B5EF4-FFF2-40B4-BE49-F238E27FC236}">
+                <a16:creationId xmlns:a16="http://schemas.microsoft.com/office/drawing/2014/main" id="{6D177EB2-5F04-F52C-B945-ADBC1ED789FB}"/>
+              </a:ext>
+            </a:extLst>
+          </p:cNvPr>
+          <p:cNvSpPr txBox="1"/>
+          <p:nvPr/>
+        </p:nvSpPr>
+        <p:spPr>
+          <a:xfrm>
+            <a:off x="10313014" y="3234107"/>
+            <a:ext cx="550151" cy="215444"/>
+          </a:xfrm>
+          <a:prstGeom prst="rect">
+            <a:avLst/>
+          </a:prstGeom>
+          <a:noFill/>
+        </p:spPr>
+        <p:txBody>
+          <a:bodyPr wrap="none" rtlCol="0">
+            <a:spAutoFit/>
+          </a:bodyPr>
+          <a:lstStyle/>
+          <a:p>
+            <a:r>
+              <a:rPr lang="en-US" sz="800" b="1" dirty="0">
+                <a:solidFill>
+                  <a:srgbClr val="333333"/>
+                </a:solidFill>
+                <a:latin typeface="Arial" panose="020B0604020202020204" pitchFamily="34" charset="0"/>
+                <a:cs typeface="Arial" panose="020B0604020202020204" pitchFamily="34" charset="0"/>
+              </a:rPr>
+              <a:t>Legend</a:t>
             </a:r>
           </a:p>
         </p:txBody>
